--- a/Course-Project/Car Crash Today End.pptx
+++ b/Course-Project/Car Crash Today End.pptx
@@ -7,13 +7,13 @@
   <p:sldIdLst>
     <p:sldId id="256" r:id="rId2"/>
     <p:sldId id="257" r:id="rId3"/>
-    <p:sldId id="258" r:id="rId4"/>
-    <p:sldId id="259" r:id="rId5"/>
-    <p:sldId id="260" r:id="rId6"/>
-    <p:sldId id="261" r:id="rId7"/>
-    <p:sldId id="262" r:id="rId8"/>
-    <p:sldId id="263" r:id="rId9"/>
-    <p:sldId id="264" r:id="rId10"/>
+    <p:sldId id="272" r:id="rId4"/>
+    <p:sldId id="258" r:id="rId5"/>
+    <p:sldId id="259" r:id="rId6"/>
+    <p:sldId id="260" r:id="rId7"/>
+    <p:sldId id="261" r:id="rId8"/>
+    <p:sldId id="262" r:id="rId9"/>
+    <p:sldId id="263" r:id="rId10"/>
     <p:sldId id="265" r:id="rId11"/>
     <p:sldId id="266" r:id="rId12"/>
     <p:sldId id="267" r:id="rId13"/>
@@ -119,6 +119,11 @@
       </a:defRPr>
     </a:lvl9pPr>
   </p:defaultTextStyle>
+  <p:extLst>
+    <p:ext uri="{EFAFB233-063F-42B5-8137-9DF3F51BA10A}">
+      <p15:sldGuideLst xmlns:p15="http://schemas.microsoft.com/office/powerpoint/2012/main"/>
+    </p:ext>
+  </p:extLst>
 </p:presentation>
 </file>
 
@@ -179,7 +184,7 @@
           <a:noFill/>
           <a:extLst>
             <a:ext uri="{909E8E84-426E-40dd-AFC4-6F175D3DCCD1}">
-              <a14:hiddenFill xmlns:a14="http://schemas.microsoft.com/office/drawing/2010/main" xmlns="">
+              <a14:hiddenFill xmlns="" xmlns:a14="http://schemas.microsoft.com/office/drawing/2010/main">
                 <a:solidFill>
                   <a:srgbClr val="FFFFFF"/>
                 </a:solidFill>
@@ -238,7 +243,7 @@
             </a:ln>
             <a:extLst>
               <a:ext uri="{91240B29-F687-4f45-9708-019B960494DF}">
-                <a14:hiddenLine xmlns:a14="http://schemas.microsoft.com/office/drawing/2010/main" xmlns="" w="9525">
+                <a14:hiddenLine xmlns="" xmlns:a14="http://schemas.microsoft.com/office/drawing/2010/main" w="9525">
                   <a:solidFill>
                     <a:srgbClr val="000000"/>
                   </a:solidFill>
@@ -328,7 +333,7 @@
             </a:ln>
             <a:extLst>
               <a:ext uri="{91240B29-F687-4f45-9708-019B960494DF}">
-                <a14:hiddenLine xmlns:a14="http://schemas.microsoft.com/office/drawing/2010/main" xmlns="" w="9525">
+                <a14:hiddenLine xmlns="" xmlns:a14="http://schemas.microsoft.com/office/drawing/2010/main" w="9525">
                   <a:solidFill>
                     <a:srgbClr val="000000"/>
                   </a:solidFill>
@@ -418,7 +423,7 @@
             </a:ln>
             <a:extLst>
               <a:ext uri="{91240B29-F687-4f45-9708-019B960494DF}">
-                <a14:hiddenLine xmlns:a14="http://schemas.microsoft.com/office/drawing/2010/main" xmlns="" w="9525">
+                <a14:hiddenLine xmlns="" xmlns:a14="http://schemas.microsoft.com/office/drawing/2010/main" w="9525">
                   <a:solidFill>
                     <a:srgbClr val="000000"/>
                   </a:solidFill>
@@ -452,7 +457,7 @@
             </a:ln>
             <a:extLst>
               <a:ext uri="{91240B29-F687-4f45-9708-019B960494DF}">
-                <a14:hiddenLine xmlns:a14="http://schemas.microsoft.com/office/drawing/2010/main" xmlns="" w="9525">
+                <a14:hiddenLine xmlns="" xmlns:a14="http://schemas.microsoft.com/office/drawing/2010/main" w="9525">
                   <a:solidFill>
                     <a:srgbClr val="000000"/>
                   </a:solidFill>
@@ -542,7 +547,7 @@
             </a:ln>
             <a:extLst>
               <a:ext uri="{91240B29-F687-4f45-9708-019B960494DF}">
-                <a14:hiddenLine xmlns:a14="http://schemas.microsoft.com/office/drawing/2010/main" xmlns="" w="9525">
+                <a14:hiddenLine xmlns="" xmlns:a14="http://schemas.microsoft.com/office/drawing/2010/main" w="9525">
                   <a:solidFill>
                     <a:srgbClr val="000000"/>
                   </a:solidFill>
@@ -604,7 +609,7 @@
             </a:ln>
             <a:extLst>
               <a:ext uri="{91240B29-F687-4f45-9708-019B960494DF}">
-                <a14:hiddenLine xmlns:a14="http://schemas.microsoft.com/office/drawing/2010/main" xmlns="" w="9525">
+                <a14:hiddenLine xmlns="" xmlns:a14="http://schemas.microsoft.com/office/drawing/2010/main" w="9525">
                   <a:solidFill>
                     <a:srgbClr val="000000"/>
                   </a:solidFill>
@@ -666,7 +671,7 @@
             </a:ln>
             <a:extLst>
               <a:ext uri="{91240B29-F687-4f45-9708-019B960494DF}">
-                <a14:hiddenLine xmlns:a14="http://schemas.microsoft.com/office/drawing/2010/main" xmlns="" w="9525">
+                <a14:hiddenLine xmlns="" xmlns:a14="http://schemas.microsoft.com/office/drawing/2010/main" w="9525">
                   <a:solidFill>
                     <a:srgbClr val="000000"/>
                   </a:solidFill>
@@ -756,7 +761,7 @@
             </a:ln>
             <a:extLst>
               <a:ext uri="{91240B29-F687-4f45-9708-019B960494DF}">
-                <a14:hiddenLine xmlns:a14="http://schemas.microsoft.com/office/drawing/2010/main" xmlns="" w="9525">
+                <a14:hiddenLine xmlns="" xmlns:a14="http://schemas.microsoft.com/office/drawing/2010/main" w="9525">
                   <a:solidFill>
                     <a:srgbClr val="000000"/>
                   </a:solidFill>
@@ -818,7 +823,7 @@
             </a:ln>
             <a:extLst>
               <a:ext uri="{91240B29-F687-4f45-9708-019B960494DF}">
-                <a14:hiddenLine xmlns:a14="http://schemas.microsoft.com/office/drawing/2010/main" xmlns="" w="9525">
+                <a14:hiddenLine xmlns="" xmlns:a14="http://schemas.microsoft.com/office/drawing/2010/main" w="9525">
                   <a:solidFill>
                     <a:srgbClr val="000000"/>
                   </a:solidFill>
@@ -880,7 +885,7 @@
             </a:ln>
             <a:extLst>
               <a:ext uri="{91240B29-F687-4f45-9708-019B960494DF}">
-                <a14:hiddenLine xmlns:a14="http://schemas.microsoft.com/office/drawing/2010/main" xmlns="" w="9525">
+                <a14:hiddenLine xmlns="" xmlns:a14="http://schemas.microsoft.com/office/drawing/2010/main" w="9525">
                   <a:solidFill>
                     <a:srgbClr val="000000"/>
                   </a:solidFill>
@@ -970,7 +975,7 @@
             </a:ln>
             <a:extLst>
               <a:ext uri="{91240B29-F687-4f45-9708-019B960494DF}">
-                <a14:hiddenLine xmlns:a14="http://schemas.microsoft.com/office/drawing/2010/main" xmlns="" w="9525">
+                <a14:hiddenLine xmlns="" xmlns:a14="http://schemas.microsoft.com/office/drawing/2010/main" w="9525">
                   <a:solidFill>
                     <a:srgbClr val="000000"/>
                   </a:solidFill>
@@ -1060,7 +1065,7 @@
             </a:ln>
             <a:extLst>
               <a:ext uri="{91240B29-F687-4f45-9708-019B960494DF}">
-                <a14:hiddenLine xmlns:a14="http://schemas.microsoft.com/office/drawing/2010/main" xmlns="" w="9525">
+                <a14:hiddenLine xmlns="" xmlns:a14="http://schemas.microsoft.com/office/drawing/2010/main" w="9525">
                   <a:solidFill>
                     <a:srgbClr val="000000"/>
                   </a:solidFill>
@@ -1122,7 +1127,7 @@
             </a:ln>
             <a:extLst>
               <a:ext uri="{91240B29-F687-4f45-9708-019B960494DF}">
-                <a14:hiddenLine xmlns:a14="http://schemas.microsoft.com/office/drawing/2010/main" xmlns="" w="9525">
+                <a14:hiddenLine xmlns="" xmlns:a14="http://schemas.microsoft.com/office/drawing/2010/main" w="9525">
                   <a:solidFill>
                     <a:srgbClr val="000000"/>
                   </a:solidFill>
@@ -1232,7 +1237,7 @@
             </a:ln>
             <a:extLst>
               <a:ext uri="{91240B29-F687-4f45-9708-019B960494DF}">
-                <a14:hiddenLine xmlns:a14="http://schemas.microsoft.com/office/drawing/2010/main" xmlns="" w="9525">
+                <a14:hiddenLine xmlns="" xmlns:a14="http://schemas.microsoft.com/office/drawing/2010/main" w="9525">
                   <a:solidFill>
                     <a:srgbClr val="000000"/>
                   </a:solidFill>
@@ -1294,7 +1299,7 @@
             </a:ln>
             <a:extLst>
               <a:ext uri="{91240B29-F687-4f45-9708-019B960494DF}">
-                <a14:hiddenLine xmlns:a14="http://schemas.microsoft.com/office/drawing/2010/main" xmlns="" w="9525">
+                <a14:hiddenLine xmlns="" xmlns:a14="http://schemas.microsoft.com/office/drawing/2010/main" w="9525">
                   <a:solidFill>
                     <a:srgbClr val="000000"/>
                   </a:solidFill>
@@ -1384,7 +1389,7 @@
             </a:ln>
             <a:extLst>
               <a:ext uri="{91240B29-F687-4f45-9708-019B960494DF}">
-                <a14:hiddenLine xmlns:a14="http://schemas.microsoft.com/office/drawing/2010/main" xmlns="" w="9525">
+                <a14:hiddenLine xmlns="" xmlns:a14="http://schemas.microsoft.com/office/drawing/2010/main" w="9525">
                   <a:solidFill>
                     <a:srgbClr val="000000"/>
                   </a:solidFill>
@@ -1474,7 +1479,7 @@
             </a:ln>
             <a:extLst>
               <a:ext uri="{91240B29-F687-4f45-9708-019B960494DF}">
-                <a14:hiddenLine xmlns:a14="http://schemas.microsoft.com/office/drawing/2010/main" xmlns="" w="9525">
+                <a14:hiddenLine xmlns="" xmlns:a14="http://schemas.microsoft.com/office/drawing/2010/main" w="9525">
                   <a:solidFill>
                     <a:srgbClr val="000000"/>
                   </a:solidFill>
@@ -1536,7 +1541,7 @@
             </a:ln>
             <a:extLst>
               <a:ext uri="{91240B29-F687-4f45-9708-019B960494DF}">
-                <a14:hiddenLine xmlns:a14="http://schemas.microsoft.com/office/drawing/2010/main" xmlns="" w="9525">
+                <a14:hiddenLine xmlns="" xmlns:a14="http://schemas.microsoft.com/office/drawing/2010/main" w="9525">
                   <a:solidFill>
                     <a:srgbClr val="000000"/>
                   </a:solidFill>
@@ -1626,7 +1631,7 @@
             </a:ln>
             <a:extLst>
               <a:ext uri="{91240B29-F687-4f45-9708-019B960494DF}">
-                <a14:hiddenLine xmlns:a14="http://schemas.microsoft.com/office/drawing/2010/main" xmlns="" w="9525">
+                <a14:hiddenLine xmlns="" xmlns:a14="http://schemas.microsoft.com/office/drawing/2010/main" w="9525">
                   <a:solidFill>
                     <a:srgbClr val="000000"/>
                   </a:solidFill>
@@ -1716,7 +1721,7 @@
             </a:ln>
             <a:extLst>
               <a:ext uri="{91240B29-F687-4f45-9708-019B960494DF}">
-                <a14:hiddenLine xmlns:a14="http://schemas.microsoft.com/office/drawing/2010/main" xmlns="" w="9525">
+                <a14:hiddenLine xmlns="" xmlns:a14="http://schemas.microsoft.com/office/drawing/2010/main" w="9525">
                   <a:solidFill>
                     <a:srgbClr val="000000"/>
                   </a:solidFill>
@@ -1772,7 +1777,7 @@
             </a:ln>
             <a:extLst>
               <a:ext uri="{91240B29-F687-4f45-9708-019B960494DF}">
-                <a14:hiddenLine xmlns:a14="http://schemas.microsoft.com/office/drawing/2010/main" xmlns="" w="9525">
+                <a14:hiddenLine xmlns="" xmlns:a14="http://schemas.microsoft.com/office/drawing/2010/main" w="9525">
                   <a:solidFill>
                     <a:srgbClr val="000000"/>
                   </a:solidFill>
@@ -1862,7 +1867,7 @@
             </a:ln>
             <a:extLst>
               <a:ext uri="{91240B29-F687-4f45-9708-019B960494DF}">
-                <a14:hiddenLine xmlns:a14="http://schemas.microsoft.com/office/drawing/2010/main" xmlns="" w="9525">
+                <a14:hiddenLine xmlns="" xmlns:a14="http://schemas.microsoft.com/office/drawing/2010/main" w="9525">
                   <a:solidFill>
                     <a:srgbClr val="000000"/>
                   </a:solidFill>
@@ -1918,7 +1923,7 @@
             </a:ln>
             <a:extLst>
               <a:ext uri="{91240B29-F687-4f45-9708-019B960494DF}">
-                <a14:hiddenLine xmlns:a14="http://schemas.microsoft.com/office/drawing/2010/main" xmlns="" w="9525">
+                <a14:hiddenLine xmlns="" xmlns:a14="http://schemas.microsoft.com/office/drawing/2010/main" w="9525">
                   <a:solidFill>
                     <a:srgbClr val="000000"/>
                   </a:solidFill>
@@ -2008,7 +2013,7 @@
             </a:ln>
             <a:extLst>
               <a:ext uri="{91240B29-F687-4f45-9708-019B960494DF}">
-                <a14:hiddenLine xmlns:a14="http://schemas.microsoft.com/office/drawing/2010/main" xmlns="" w="9525">
+                <a14:hiddenLine xmlns="" xmlns:a14="http://schemas.microsoft.com/office/drawing/2010/main" w="9525">
                   <a:solidFill>
                     <a:srgbClr val="000000"/>
                   </a:solidFill>
@@ -2076,7 +2081,7 @@
             </a:ln>
             <a:extLst>
               <a:ext uri="{91240B29-F687-4f45-9708-019B960494DF}">
-                <a14:hiddenLine xmlns:a14="http://schemas.microsoft.com/office/drawing/2010/main" xmlns="" w="9525">
+                <a14:hiddenLine xmlns="" xmlns:a14="http://schemas.microsoft.com/office/drawing/2010/main" w="9525">
                   <a:solidFill>
                     <a:srgbClr val="000000"/>
                   </a:solidFill>
@@ -2166,7 +2171,7 @@
             </a:ln>
             <a:extLst>
               <a:ext uri="{91240B29-F687-4f45-9708-019B960494DF}">
-                <a14:hiddenLine xmlns:a14="http://schemas.microsoft.com/office/drawing/2010/main" xmlns="" w="9525">
+                <a14:hiddenLine xmlns="" xmlns:a14="http://schemas.microsoft.com/office/drawing/2010/main" w="9525">
                   <a:solidFill>
                     <a:srgbClr val="000000"/>
                   </a:solidFill>
@@ -2234,7 +2239,7 @@
             </a:ln>
             <a:extLst>
               <a:ext uri="{91240B29-F687-4f45-9708-019B960494DF}">
-                <a14:hiddenLine xmlns:a14="http://schemas.microsoft.com/office/drawing/2010/main" xmlns="" w="9525">
+                <a14:hiddenLine xmlns="" xmlns:a14="http://schemas.microsoft.com/office/drawing/2010/main" w="9525">
                   <a:solidFill>
                     <a:srgbClr val="000000"/>
                   </a:solidFill>
@@ -2324,7 +2329,7 @@
             </a:ln>
             <a:extLst>
               <a:ext uri="{91240B29-F687-4f45-9708-019B960494DF}">
-                <a14:hiddenLine xmlns:a14="http://schemas.microsoft.com/office/drawing/2010/main" xmlns="" w="9525">
+                <a14:hiddenLine xmlns="" xmlns:a14="http://schemas.microsoft.com/office/drawing/2010/main" w="9525">
                   <a:solidFill>
                     <a:srgbClr val="000000"/>
                   </a:solidFill>
@@ -2358,7 +2363,7 @@
             </a:ln>
             <a:extLst>
               <a:ext uri="{91240B29-F687-4f45-9708-019B960494DF}">
-                <a14:hiddenLine xmlns:a14="http://schemas.microsoft.com/office/drawing/2010/main" xmlns="" w="9525">
+                <a14:hiddenLine xmlns="" xmlns:a14="http://schemas.microsoft.com/office/drawing/2010/main" w="9525">
                   <a:solidFill>
                     <a:srgbClr val="000000"/>
                   </a:solidFill>
@@ -2448,7 +2453,7 @@
             </a:ln>
             <a:extLst>
               <a:ext uri="{91240B29-F687-4f45-9708-019B960494DF}">
-                <a14:hiddenLine xmlns:a14="http://schemas.microsoft.com/office/drawing/2010/main" xmlns="" w="9525">
+                <a14:hiddenLine xmlns="" xmlns:a14="http://schemas.microsoft.com/office/drawing/2010/main" w="9525">
                   <a:solidFill>
                     <a:srgbClr val="000000"/>
                   </a:solidFill>
@@ -2510,7 +2515,7 @@
             </a:ln>
             <a:extLst>
               <a:ext uri="{91240B29-F687-4f45-9708-019B960494DF}">
-                <a14:hiddenLine xmlns:a14="http://schemas.microsoft.com/office/drawing/2010/main" xmlns="" w="9525">
+                <a14:hiddenLine xmlns="" xmlns:a14="http://schemas.microsoft.com/office/drawing/2010/main" w="9525">
                   <a:solidFill>
                     <a:srgbClr val="000000"/>
                   </a:solidFill>
@@ -2572,7 +2577,7 @@
             </a:ln>
             <a:extLst>
               <a:ext uri="{91240B29-F687-4f45-9708-019B960494DF}">
-                <a14:hiddenLine xmlns:a14="http://schemas.microsoft.com/office/drawing/2010/main" xmlns="" w="9525">
+                <a14:hiddenLine xmlns="" xmlns:a14="http://schemas.microsoft.com/office/drawing/2010/main" w="9525">
                   <a:solidFill>
                     <a:srgbClr val="000000"/>
                   </a:solidFill>
@@ -2662,7 +2667,7 @@
             </a:ln>
             <a:extLst>
               <a:ext uri="{91240B29-F687-4f45-9708-019B960494DF}">
-                <a14:hiddenLine xmlns:a14="http://schemas.microsoft.com/office/drawing/2010/main" xmlns="" w="9525">
+                <a14:hiddenLine xmlns="" xmlns:a14="http://schemas.microsoft.com/office/drawing/2010/main" w="9525">
                   <a:solidFill>
                     <a:srgbClr val="000000"/>
                   </a:solidFill>
@@ -2730,7 +2735,7 @@
             </a:ln>
             <a:extLst>
               <a:ext uri="{91240B29-F687-4f45-9708-019B960494DF}">
-                <a14:hiddenLine xmlns:a14="http://schemas.microsoft.com/office/drawing/2010/main" xmlns="" w="9525">
+                <a14:hiddenLine xmlns="" xmlns:a14="http://schemas.microsoft.com/office/drawing/2010/main" w="9525">
                   <a:solidFill>
                     <a:srgbClr val="000000"/>
                   </a:solidFill>
@@ -2792,7 +2797,7 @@
             </a:ln>
             <a:extLst>
               <a:ext uri="{91240B29-F687-4f45-9708-019B960494DF}">
-                <a14:hiddenLine xmlns:a14="http://schemas.microsoft.com/office/drawing/2010/main" xmlns="" w="9525">
+                <a14:hiddenLine xmlns="" xmlns:a14="http://schemas.microsoft.com/office/drawing/2010/main" w="9525">
                   <a:solidFill>
                     <a:srgbClr val="000000"/>
                   </a:solidFill>
@@ -2882,7 +2887,7 @@
             </a:ln>
             <a:extLst>
               <a:ext uri="{91240B29-F687-4f45-9708-019B960494DF}">
-                <a14:hiddenLine xmlns:a14="http://schemas.microsoft.com/office/drawing/2010/main" xmlns="" w="9525">
+                <a14:hiddenLine xmlns="" xmlns:a14="http://schemas.microsoft.com/office/drawing/2010/main" w="9525">
                   <a:solidFill>
                     <a:srgbClr val="000000"/>
                   </a:solidFill>
@@ -2944,7 +2949,7 @@
             </a:ln>
             <a:extLst>
               <a:ext uri="{91240B29-F687-4f45-9708-019B960494DF}">
-                <a14:hiddenLine xmlns:a14="http://schemas.microsoft.com/office/drawing/2010/main" xmlns="" w="9525">
+                <a14:hiddenLine xmlns="" xmlns:a14="http://schemas.microsoft.com/office/drawing/2010/main" w="9525">
                   <a:solidFill>
                     <a:srgbClr val="000000"/>
                   </a:solidFill>
@@ -3034,7 +3039,7 @@
             </a:ln>
             <a:extLst>
               <a:ext uri="{91240B29-F687-4f45-9708-019B960494DF}">
-                <a14:hiddenLine xmlns:a14="http://schemas.microsoft.com/office/drawing/2010/main" xmlns="" w="9525">
+                <a14:hiddenLine xmlns="" xmlns:a14="http://schemas.microsoft.com/office/drawing/2010/main" w="9525">
                   <a:solidFill>
                     <a:srgbClr val="000000"/>
                   </a:solidFill>
@@ -3096,7 +3101,7 @@
             </a:ln>
             <a:extLst>
               <a:ext uri="{91240B29-F687-4f45-9708-019B960494DF}">
-                <a14:hiddenLine xmlns:a14="http://schemas.microsoft.com/office/drawing/2010/main" xmlns="" w="9525">
+                <a14:hiddenLine xmlns="" xmlns:a14="http://schemas.microsoft.com/office/drawing/2010/main" w="9525">
                   <a:solidFill>
                     <a:srgbClr val="000000"/>
                   </a:solidFill>
@@ -3186,7 +3191,7 @@
             </a:ln>
             <a:extLst>
               <a:ext uri="{91240B29-F687-4f45-9708-019B960494DF}">
-                <a14:hiddenLine xmlns:a14="http://schemas.microsoft.com/office/drawing/2010/main" xmlns="" w="9525">
+                <a14:hiddenLine xmlns="" xmlns:a14="http://schemas.microsoft.com/office/drawing/2010/main" w="9525">
                   <a:solidFill>
                     <a:srgbClr val="000000"/>
                   </a:solidFill>
@@ -3220,7 +3225,7 @@
             </a:ln>
             <a:extLst>
               <a:ext uri="{91240B29-F687-4f45-9708-019B960494DF}">
-                <a14:hiddenLine xmlns:a14="http://schemas.microsoft.com/office/drawing/2010/main" xmlns="" w="9525">
+                <a14:hiddenLine xmlns="" xmlns:a14="http://schemas.microsoft.com/office/drawing/2010/main" w="9525">
                   <a:solidFill>
                     <a:srgbClr val="000000"/>
                   </a:solidFill>
@@ -3285,7 +3290,7 @@
             </a:ln>
             <a:extLst>
               <a:ext uri="{91240B29-F687-4f45-9708-019B960494DF}">
-                <a14:hiddenLine xmlns:a14="http://schemas.microsoft.com/office/drawing/2010/main" xmlns="" w="9525">
+                <a14:hiddenLine xmlns="" xmlns:a14="http://schemas.microsoft.com/office/drawing/2010/main" w="9525">
                   <a:solidFill>
                     <a:srgbClr val="000000"/>
                   </a:solidFill>
@@ -3375,7 +3380,7 @@
             </a:ln>
             <a:extLst>
               <a:ext uri="{91240B29-F687-4f45-9708-019B960494DF}">
-                <a14:hiddenLine xmlns:a14="http://schemas.microsoft.com/office/drawing/2010/main" xmlns="" w="9525">
+                <a14:hiddenLine xmlns="" xmlns:a14="http://schemas.microsoft.com/office/drawing/2010/main" w="9525">
                   <a:solidFill>
                     <a:srgbClr val="000000"/>
                   </a:solidFill>
@@ -3437,7 +3442,7 @@
             </a:ln>
             <a:extLst>
               <a:ext uri="{91240B29-F687-4f45-9708-019B960494DF}">
-                <a14:hiddenLine xmlns:a14="http://schemas.microsoft.com/office/drawing/2010/main" xmlns="" w="9525">
+                <a14:hiddenLine xmlns="" xmlns:a14="http://schemas.microsoft.com/office/drawing/2010/main" w="9525">
                   <a:solidFill>
                     <a:srgbClr val="000000"/>
                   </a:solidFill>
@@ -3527,7 +3532,7 @@
             </a:ln>
             <a:extLst>
               <a:ext uri="{91240B29-F687-4f45-9708-019B960494DF}">
-                <a14:hiddenLine xmlns:a14="http://schemas.microsoft.com/office/drawing/2010/main" xmlns="" w="9525">
+                <a14:hiddenLine xmlns="" xmlns:a14="http://schemas.microsoft.com/office/drawing/2010/main" w="9525">
                   <a:solidFill>
                     <a:srgbClr val="000000"/>
                   </a:solidFill>
@@ -3617,7 +3622,7 @@
             </a:ln>
             <a:extLst>
               <a:ext uri="{91240B29-F687-4f45-9708-019B960494DF}">
-                <a14:hiddenLine xmlns:a14="http://schemas.microsoft.com/office/drawing/2010/main" xmlns="" w="9525">
+                <a14:hiddenLine xmlns="" xmlns:a14="http://schemas.microsoft.com/office/drawing/2010/main" w="9525">
                   <a:solidFill>
                     <a:srgbClr val="000000"/>
                   </a:solidFill>
@@ -3682,7 +3687,7 @@
             </a:ln>
             <a:extLst>
               <a:ext uri="{91240B29-F687-4f45-9708-019B960494DF}">
-                <a14:hiddenLine xmlns:a14="http://schemas.microsoft.com/office/drawing/2010/main" xmlns="" w="9525">
+                <a14:hiddenLine xmlns="" xmlns:a14="http://schemas.microsoft.com/office/drawing/2010/main" w="9525">
                   <a:solidFill>
                     <a:srgbClr val="000000"/>
                   </a:solidFill>
@@ -3744,7 +3749,7 @@
             </a:ln>
             <a:extLst>
               <a:ext uri="{91240B29-F687-4f45-9708-019B960494DF}">
-                <a14:hiddenLine xmlns:a14="http://schemas.microsoft.com/office/drawing/2010/main" xmlns="" w="9525">
+                <a14:hiddenLine xmlns="" xmlns:a14="http://schemas.microsoft.com/office/drawing/2010/main" w="9525">
                   <a:solidFill>
                     <a:srgbClr val="000000"/>
                   </a:solidFill>
@@ -3834,7 +3839,7 @@
             </a:ln>
             <a:extLst>
               <a:ext uri="{91240B29-F687-4f45-9708-019B960494DF}">
-                <a14:hiddenLine xmlns:a14="http://schemas.microsoft.com/office/drawing/2010/main" xmlns="" w="9525">
+                <a14:hiddenLine xmlns="" xmlns:a14="http://schemas.microsoft.com/office/drawing/2010/main" w="9525">
                   <a:solidFill>
                     <a:srgbClr val="000000"/>
                   </a:solidFill>
@@ -3924,7 +3929,7 @@
             </a:ln>
             <a:extLst>
               <a:ext uri="{91240B29-F687-4f45-9708-019B960494DF}">
-                <a14:hiddenLine xmlns:a14="http://schemas.microsoft.com/office/drawing/2010/main" xmlns="" w="9525">
+                <a14:hiddenLine xmlns="" xmlns:a14="http://schemas.microsoft.com/office/drawing/2010/main" w="9525">
                   <a:solidFill>
                     <a:srgbClr val="000000"/>
                   </a:solidFill>
@@ -3986,7 +3991,7 @@
             </a:ln>
             <a:extLst>
               <a:ext uri="{91240B29-F687-4f45-9708-019B960494DF}">
-                <a14:hiddenLine xmlns:a14="http://schemas.microsoft.com/office/drawing/2010/main" xmlns="" w="9525">
+                <a14:hiddenLine xmlns="" xmlns:a14="http://schemas.microsoft.com/office/drawing/2010/main" w="9525">
                   <a:solidFill>
                     <a:srgbClr val="000000"/>
                   </a:solidFill>
@@ -4106,7 +4111,7 @@
             </a:ln>
             <a:extLst>
               <a:ext uri="{91240B29-F687-4f45-9708-019B960494DF}">
-                <a14:hiddenLine xmlns:a14="http://schemas.microsoft.com/office/drawing/2010/main" xmlns="" w="9525">
+                <a14:hiddenLine xmlns="" xmlns:a14="http://schemas.microsoft.com/office/drawing/2010/main" w="9525">
                   <a:solidFill>
                     <a:srgbClr val="000000"/>
                   </a:solidFill>
@@ -4174,7 +4179,7 @@
             </a:ln>
             <a:extLst>
               <a:ext uri="{91240B29-F687-4f45-9708-019B960494DF}">
-                <a14:hiddenLine xmlns:a14="http://schemas.microsoft.com/office/drawing/2010/main" xmlns="" w="9525">
+                <a14:hiddenLine xmlns="" xmlns:a14="http://schemas.microsoft.com/office/drawing/2010/main" w="9525">
                   <a:solidFill>
                     <a:srgbClr val="000000"/>
                   </a:solidFill>
@@ -4264,7 +4269,7 @@
             </a:ln>
             <a:extLst>
               <a:ext uri="{91240B29-F687-4f45-9708-019B960494DF}">
-                <a14:hiddenLine xmlns:a14="http://schemas.microsoft.com/office/drawing/2010/main" xmlns="" w="9525">
+                <a14:hiddenLine xmlns="" xmlns:a14="http://schemas.microsoft.com/office/drawing/2010/main" w="9525">
                   <a:solidFill>
                     <a:srgbClr val="000000"/>
                   </a:solidFill>
@@ -4404,7 +4409,7 @@
           <a:p>
             <a:fld id="{48A87A34-81AB-432B-8DAE-1953F412C126}" type="datetimeFigureOut">
               <a:rPr lang="en-US" dirty="0"/>
-              <a:t>11/22/2018</a:t>
+              <a:t>12/2/2018</a:t>
             </a:fld>
             <a:endParaRPr lang="en-US" dirty="0"/>
           </a:p>
@@ -4666,7 +4671,7 @@
           <a:p>
             <a:fld id="{48A87A34-81AB-432B-8DAE-1953F412C126}" type="datetimeFigureOut">
               <a:rPr lang="en-US" dirty="0"/>
-              <a:t>11/22/2018</a:t>
+              <a:t>12/2/2018</a:t>
             </a:fld>
             <a:endParaRPr lang="en-US" dirty="0"/>
           </a:p>
@@ -4857,7 +4862,7 @@
           <a:p>
             <a:fld id="{48A87A34-81AB-432B-8DAE-1953F412C126}" type="datetimeFigureOut">
               <a:rPr lang="en-US" dirty="0"/>
-              <a:t>11/22/2018</a:t>
+              <a:t>12/2/2018</a:t>
             </a:fld>
             <a:endParaRPr lang="en-US" dirty="0"/>
           </a:p>
@@ -5115,7 +5120,7 @@
           <a:p>
             <a:fld id="{48A87A34-81AB-432B-8DAE-1953F412C126}" type="datetimeFigureOut">
               <a:rPr lang="en-US" dirty="0"/>
-              <a:t>11/22/2018</a:t>
+              <a:t>12/2/2018</a:t>
             </a:fld>
             <a:endParaRPr lang="en-US" dirty="0"/>
           </a:p>
@@ -5544,7 +5549,7 @@
           <a:p>
             <a:fld id="{48A87A34-81AB-432B-8DAE-1953F412C126}" type="datetimeFigureOut">
               <a:rPr lang="en-US" dirty="0"/>
-              <a:t>11/22/2018</a:t>
+              <a:t>12/2/2018</a:t>
             </a:fld>
             <a:endParaRPr lang="en-US" dirty="0"/>
           </a:p>
@@ -6085,7 +6090,7 @@
           <a:p>
             <a:fld id="{48A87A34-81AB-432B-8DAE-1953F412C126}" type="datetimeFigureOut">
               <a:rPr lang="en-US" dirty="0"/>
-              <a:t>11/22/2018</a:t>
+              <a:t>12/2/2018</a:t>
             </a:fld>
             <a:endParaRPr lang="en-US" dirty="0"/>
           </a:p>
@@ -6800,7 +6805,7 @@
           <a:p>
             <a:fld id="{48A87A34-81AB-432B-8DAE-1953F412C126}" type="datetimeFigureOut">
               <a:rPr lang="en-US" dirty="0"/>
-              <a:t>11/22/2018</a:t>
+              <a:t>12/2/2018</a:t>
             </a:fld>
             <a:endParaRPr lang="en-US" dirty="0"/>
           </a:p>
@@ -6965,7 +6970,7 @@
           <a:p>
             <a:fld id="{48A87A34-81AB-432B-8DAE-1953F412C126}" type="datetimeFigureOut">
               <a:rPr lang="en-US" dirty="0"/>
-              <a:t>11/22/2018</a:t>
+              <a:t>12/2/2018</a:t>
             </a:fld>
             <a:endParaRPr lang="en-US" dirty="0"/>
           </a:p>
@@ -7140,7 +7145,7 @@
           <a:p>
             <a:fld id="{48A87A34-81AB-432B-8DAE-1953F412C126}" type="datetimeFigureOut">
               <a:rPr lang="en-US" dirty="0"/>
-              <a:t>11/22/2018</a:t>
+              <a:t>12/2/2018</a:t>
             </a:fld>
             <a:endParaRPr lang="en-US" dirty="0"/>
           </a:p>
@@ -7305,7 +7310,7 @@
           <a:p>
             <a:fld id="{48A87A34-81AB-432B-8DAE-1953F412C126}" type="datetimeFigureOut">
               <a:rPr lang="en-US" dirty="0"/>
-              <a:t>11/22/2018</a:t>
+              <a:t>12/2/2018</a:t>
             </a:fld>
             <a:endParaRPr lang="en-US" dirty="0"/>
           </a:p>
@@ -7550,7 +7555,7 @@
           <a:p>
             <a:fld id="{48A87A34-81AB-432B-8DAE-1953F412C126}" type="datetimeFigureOut">
               <a:rPr lang="en-US" dirty="0"/>
-              <a:t>11/22/2018</a:t>
+              <a:t>12/2/2018</a:t>
             </a:fld>
             <a:endParaRPr lang="en-US" dirty="0"/>
           </a:p>
@@ -7777,7 +7782,7 @@
           <a:p>
             <a:fld id="{48A87A34-81AB-432B-8DAE-1953F412C126}" type="datetimeFigureOut">
               <a:rPr lang="en-US" dirty="0"/>
-              <a:t>11/22/2018</a:t>
+              <a:t>12/2/2018</a:t>
             </a:fld>
             <a:endParaRPr lang="en-US" dirty="0"/>
           </a:p>
@@ -8153,7 +8158,7 @@
           <a:p>
             <a:fld id="{48A87A34-81AB-432B-8DAE-1953F412C126}" type="datetimeFigureOut">
               <a:rPr lang="en-US" dirty="0"/>
-              <a:t>11/22/2018</a:t>
+              <a:t>12/2/2018</a:t>
             </a:fld>
             <a:endParaRPr lang="en-US" dirty="0"/>
           </a:p>
@@ -8266,7 +8271,7 @@
           <a:p>
             <a:fld id="{48A87A34-81AB-432B-8DAE-1953F412C126}" type="datetimeFigureOut">
               <a:rPr lang="en-US" dirty="0"/>
-              <a:t>11/22/2018</a:t>
+              <a:t>12/2/2018</a:t>
             </a:fld>
             <a:endParaRPr lang="en-US" dirty="0"/>
           </a:p>
@@ -8356,7 +8361,7 @@
           <a:p>
             <a:fld id="{48A87A34-81AB-432B-8DAE-1953F412C126}" type="datetimeFigureOut">
               <a:rPr lang="en-US" dirty="0"/>
-              <a:t>11/22/2018</a:t>
+              <a:t>12/2/2018</a:t>
             </a:fld>
             <a:endParaRPr lang="en-US" dirty="0"/>
           </a:p>
@@ -8600,7 +8605,7 @@
           <a:p>
             <a:fld id="{48A87A34-81AB-432B-8DAE-1953F412C126}" type="datetimeFigureOut">
               <a:rPr lang="en-US" dirty="0"/>
-              <a:t>11/22/2018</a:t>
+              <a:t>12/2/2018</a:t>
             </a:fld>
             <a:endParaRPr lang="en-US" dirty="0"/>
           </a:p>
@@ -8875,7 +8880,7 @@
           <a:p>
             <a:fld id="{48A87A34-81AB-432B-8DAE-1953F412C126}" type="datetimeFigureOut">
               <a:rPr lang="en-US" dirty="0"/>
-              <a:t>11/22/2018</a:t>
+              <a:t>12/2/2018</a:t>
             </a:fld>
             <a:endParaRPr lang="en-US" dirty="0"/>
           </a:p>
@@ -8993,7 +8998,7 @@
           <a:noFill/>
           <a:extLst>
             <a:ext uri="{909E8E84-426E-40dd-AFC4-6F175D3DCCD1}">
-              <a14:hiddenFill xmlns:a14="http://schemas.microsoft.com/office/drawing/2010/main" xmlns="">
+              <a14:hiddenFill xmlns="" xmlns:a14="http://schemas.microsoft.com/office/drawing/2010/main">
                 <a:solidFill>
                   <a:srgbClr val="FFFFFF"/>
                 </a:solidFill>
@@ -9067,7 +9072,7 @@
               </a:ln>
               <a:extLst>
                 <a:ext uri="{91240B29-F687-4f45-9708-019B960494DF}">
-                  <a14:hiddenLine xmlns:a14="http://schemas.microsoft.com/office/drawing/2010/main" xmlns="" w="9525">
+                  <a14:hiddenLine xmlns="" xmlns:a14="http://schemas.microsoft.com/office/drawing/2010/main" w="9525">
                     <a:solidFill>
                       <a:srgbClr val="000000"/>
                     </a:solidFill>
@@ -9157,7 +9162,7 @@
               </a:ln>
               <a:extLst>
                 <a:ext uri="{91240B29-F687-4f45-9708-019B960494DF}">
-                  <a14:hiddenLine xmlns:a14="http://schemas.microsoft.com/office/drawing/2010/main" xmlns="" w="9525">
+                  <a14:hiddenLine xmlns="" xmlns:a14="http://schemas.microsoft.com/office/drawing/2010/main" w="9525">
                     <a:solidFill>
                       <a:srgbClr val="000000"/>
                     </a:solidFill>
@@ -9247,7 +9252,7 @@
               </a:ln>
               <a:extLst>
                 <a:ext uri="{91240B29-F687-4f45-9708-019B960494DF}">
-                  <a14:hiddenLine xmlns:a14="http://schemas.microsoft.com/office/drawing/2010/main" xmlns="" w="9525">
+                  <a14:hiddenLine xmlns="" xmlns:a14="http://schemas.microsoft.com/office/drawing/2010/main" w="9525">
                     <a:solidFill>
                       <a:srgbClr val="000000"/>
                     </a:solidFill>
@@ -9309,7 +9314,7 @@
               </a:ln>
               <a:extLst>
                 <a:ext uri="{91240B29-F687-4f45-9708-019B960494DF}">
-                  <a14:hiddenLine xmlns:a14="http://schemas.microsoft.com/office/drawing/2010/main" xmlns="" w="9525">
+                  <a14:hiddenLine xmlns="" xmlns:a14="http://schemas.microsoft.com/office/drawing/2010/main" w="9525">
                     <a:solidFill>
                       <a:srgbClr val="000000"/>
                     </a:solidFill>
@@ -9399,7 +9404,7 @@
               </a:ln>
               <a:extLst>
                 <a:ext uri="{91240B29-F687-4f45-9708-019B960494DF}">
-                  <a14:hiddenLine xmlns:a14="http://schemas.microsoft.com/office/drawing/2010/main" xmlns="" w="9525">
+                  <a14:hiddenLine xmlns="" xmlns:a14="http://schemas.microsoft.com/office/drawing/2010/main" w="9525">
                     <a:solidFill>
                       <a:srgbClr val="000000"/>
                     </a:solidFill>
@@ -9461,7 +9466,7 @@
               </a:ln>
               <a:extLst>
                 <a:ext uri="{91240B29-F687-4f45-9708-019B960494DF}">
-                  <a14:hiddenLine xmlns:a14="http://schemas.microsoft.com/office/drawing/2010/main" xmlns="" w="9525">
+                  <a14:hiddenLine xmlns="" xmlns:a14="http://schemas.microsoft.com/office/drawing/2010/main" w="9525">
                     <a:solidFill>
                       <a:srgbClr val="000000"/>
                     </a:solidFill>
@@ -9523,7 +9528,7 @@
               </a:ln>
               <a:extLst>
                 <a:ext uri="{91240B29-F687-4f45-9708-019B960494DF}">
-                  <a14:hiddenLine xmlns:a14="http://schemas.microsoft.com/office/drawing/2010/main" xmlns="" w="9525">
+                  <a14:hiddenLine xmlns="" xmlns:a14="http://schemas.microsoft.com/office/drawing/2010/main" w="9525">
                     <a:solidFill>
                       <a:srgbClr val="000000"/>
                     </a:solidFill>
@@ -9613,7 +9618,7 @@
               </a:ln>
               <a:extLst>
                 <a:ext uri="{91240B29-F687-4f45-9708-019B960494DF}">
-                  <a14:hiddenLine xmlns:a14="http://schemas.microsoft.com/office/drawing/2010/main" xmlns="" w="9525">
+                  <a14:hiddenLine xmlns="" xmlns:a14="http://schemas.microsoft.com/office/drawing/2010/main" w="9525">
                     <a:solidFill>
                       <a:srgbClr val="000000"/>
                     </a:solidFill>
@@ -9703,7 +9708,7 @@
               </a:ln>
               <a:extLst>
                 <a:ext uri="{91240B29-F687-4f45-9708-019B960494DF}">
-                  <a14:hiddenLine xmlns:a14="http://schemas.microsoft.com/office/drawing/2010/main" xmlns="" w="9525">
+                  <a14:hiddenLine xmlns="" xmlns:a14="http://schemas.microsoft.com/office/drawing/2010/main" w="9525">
                     <a:solidFill>
                       <a:srgbClr val="000000"/>
                     </a:solidFill>
@@ -9765,7 +9770,7 @@
               </a:ln>
               <a:extLst>
                 <a:ext uri="{91240B29-F687-4f45-9708-019B960494DF}">
-                  <a14:hiddenLine xmlns:a14="http://schemas.microsoft.com/office/drawing/2010/main" xmlns="" w="9525">
+                  <a14:hiddenLine xmlns="" xmlns:a14="http://schemas.microsoft.com/office/drawing/2010/main" w="9525">
                     <a:solidFill>
                       <a:srgbClr val="000000"/>
                     </a:solidFill>
@@ -9875,7 +9880,7 @@
               </a:ln>
               <a:extLst>
                 <a:ext uri="{91240B29-F687-4f45-9708-019B960494DF}">
-                  <a14:hiddenLine xmlns:a14="http://schemas.microsoft.com/office/drawing/2010/main" xmlns="" w="9525">
+                  <a14:hiddenLine xmlns="" xmlns:a14="http://schemas.microsoft.com/office/drawing/2010/main" w="9525">
                     <a:solidFill>
                       <a:srgbClr val="000000"/>
                     </a:solidFill>
@@ -9959,7 +9964,7 @@
               </a:ln>
               <a:extLst>
                 <a:ext uri="{91240B29-F687-4f45-9708-019B960494DF}">
-                  <a14:hiddenLine xmlns:a14="http://schemas.microsoft.com/office/drawing/2010/main" xmlns="" w="9525">
+                  <a14:hiddenLine xmlns="" xmlns:a14="http://schemas.microsoft.com/office/drawing/2010/main" w="9525">
                     <a:solidFill>
                       <a:srgbClr val="000000"/>
                     </a:solidFill>
@@ -10021,7 +10026,7 @@
               </a:ln>
               <a:extLst>
                 <a:ext uri="{91240B29-F687-4f45-9708-019B960494DF}">
-                  <a14:hiddenLine xmlns:a14="http://schemas.microsoft.com/office/drawing/2010/main" xmlns="" w="9525">
+                  <a14:hiddenLine xmlns="" xmlns:a14="http://schemas.microsoft.com/office/drawing/2010/main" w="9525">
                     <a:solidFill>
                       <a:srgbClr val="000000"/>
                     </a:solidFill>
@@ -10083,7 +10088,7 @@
               </a:ln>
               <a:extLst>
                 <a:ext uri="{91240B29-F687-4f45-9708-019B960494DF}">
-                  <a14:hiddenLine xmlns:a14="http://schemas.microsoft.com/office/drawing/2010/main" xmlns="" w="9525">
+                  <a14:hiddenLine xmlns="" xmlns:a14="http://schemas.microsoft.com/office/drawing/2010/main" w="9525">
                     <a:solidFill>
                       <a:srgbClr val="000000"/>
                     </a:solidFill>
@@ -10173,7 +10178,7 @@
               </a:ln>
               <a:extLst>
                 <a:ext uri="{91240B29-F687-4f45-9708-019B960494DF}">
-                  <a14:hiddenLine xmlns:a14="http://schemas.microsoft.com/office/drawing/2010/main" xmlns="" w="9525">
+                  <a14:hiddenLine xmlns="" xmlns:a14="http://schemas.microsoft.com/office/drawing/2010/main" w="9525">
                     <a:solidFill>
                       <a:srgbClr val="000000"/>
                     </a:solidFill>
@@ -10207,7 +10212,7 @@
               </a:ln>
               <a:extLst>
                 <a:ext uri="{91240B29-F687-4f45-9708-019B960494DF}">
-                  <a14:hiddenLine xmlns:a14="http://schemas.microsoft.com/office/drawing/2010/main" xmlns="" w="9525">
+                  <a14:hiddenLine xmlns="" xmlns:a14="http://schemas.microsoft.com/office/drawing/2010/main" w="9525">
                     <a:solidFill>
                       <a:srgbClr val="000000"/>
                     </a:solidFill>
@@ -10272,7 +10277,7 @@
               </a:ln>
               <a:extLst>
                 <a:ext uri="{91240B29-F687-4f45-9708-019B960494DF}">
-                  <a14:hiddenLine xmlns:a14="http://schemas.microsoft.com/office/drawing/2010/main" xmlns="" w="9525">
+                  <a14:hiddenLine xmlns="" xmlns:a14="http://schemas.microsoft.com/office/drawing/2010/main" w="9525">
                     <a:solidFill>
                       <a:srgbClr val="000000"/>
                     </a:solidFill>
@@ -10362,7 +10367,7 @@
               </a:ln>
               <a:extLst>
                 <a:ext uri="{91240B29-F687-4f45-9708-019B960494DF}">
-                  <a14:hiddenLine xmlns:a14="http://schemas.microsoft.com/office/drawing/2010/main" xmlns="" w="9525">
+                  <a14:hiddenLine xmlns="" xmlns:a14="http://schemas.microsoft.com/office/drawing/2010/main" w="9525">
                     <a:solidFill>
                       <a:srgbClr val="000000"/>
                     </a:solidFill>
@@ -10424,7 +10429,7 @@
               </a:ln>
               <a:extLst>
                 <a:ext uri="{91240B29-F687-4f45-9708-019B960494DF}">
-                  <a14:hiddenLine xmlns:a14="http://schemas.microsoft.com/office/drawing/2010/main" xmlns="" w="9525">
+                  <a14:hiddenLine xmlns="" xmlns:a14="http://schemas.microsoft.com/office/drawing/2010/main" w="9525">
                     <a:solidFill>
                       <a:srgbClr val="000000"/>
                     </a:solidFill>
@@ -10514,7 +10519,7 @@
               </a:ln>
               <a:extLst>
                 <a:ext uri="{91240B29-F687-4f45-9708-019B960494DF}">
-                  <a14:hiddenLine xmlns:a14="http://schemas.microsoft.com/office/drawing/2010/main" xmlns="" w="9525">
+                  <a14:hiddenLine xmlns="" xmlns:a14="http://schemas.microsoft.com/office/drawing/2010/main" w="9525">
                     <a:solidFill>
                       <a:srgbClr val="000000"/>
                     </a:solidFill>
@@ -10579,7 +10584,7 @@
               </a:ln>
               <a:extLst>
                 <a:ext uri="{91240B29-F687-4f45-9708-019B960494DF}">
-                  <a14:hiddenLine xmlns:a14="http://schemas.microsoft.com/office/drawing/2010/main" xmlns="" w="9525">
+                  <a14:hiddenLine xmlns="" xmlns:a14="http://schemas.microsoft.com/office/drawing/2010/main" w="9525">
                     <a:solidFill>
                       <a:srgbClr val="000000"/>
                     </a:solidFill>
@@ -10641,7 +10646,7 @@
               </a:ln>
               <a:extLst>
                 <a:ext uri="{91240B29-F687-4f45-9708-019B960494DF}">
-                  <a14:hiddenLine xmlns:a14="http://schemas.microsoft.com/office/drawing/2010/main" xmlns="" w="9525">
+                  <a14:hiddenLine xmlns="" xmlns:a14="http://schemas.microsoft.com/office/drawing/2010/main" w="9525">
                     <a:solidFill>
                       <a:srgbClr val="000000"/>
                     </a:solidFill>
@@ -10731,7 +10736,7 @@
               </a:ln>
               <a:extLst>
                 <a:ext uri="{91240B29-F687-4f45-9708-019B960494DF}">
-                  <a14:hiddenLine xmlns:a14="http://schemas.microsoft.com/office/drawing/2010/main" xmlns="" w="9525">
+                  <a14:hiddenLine xmlns="" xmlns:a14="http://schemas.microsoft.com/office/drawing/2010/main" w="9525">
                     <a:solidFill>
                       <a:srgbClr val="000000"/>
                     </a:solidFill>
@@ -10821,7 +10826,7 @@
               </a:ln>
               <a:extLst>
                 <a:ext uri="{91240B29-F687-4f45-9708-019B960494DF}">
-                  <a14:hiddenLine xmlns:a14="http://schemas.microsoft.com/office/drawing/2010/main" xmlns="" w="9525">
+                  <a14:hiddenLine xmlns="" xmlns:a14="http://schemas.microsoft.com/office/drawing/2010/main" w="9525">
                     <a:solidFill>
                       <a:srgbClr val="000000"/>
                     </a:solidFill>
@@ -10886,7 +10891,7 @@
               </a:ln>
               <a:extLst>
                 <a:ext uri="{91240B29-F687-4f45-9708-019B960494DF}">
-                  <a14:hiddenLine xmlns:a14="http://schemas.microsoft.com/office/drawing/2010/main" xmlns="" w="9525">
+                  <a14:hiddenLine xmlns="" xmlns:a14="http://schemas.microsoft.com/office/drawing/2010/main" w="9525">
                     <a:solidFill>
                       <a:srgbClr val="000000"/>
                     </a:solidFill>
@@ -11006,7 +11011,7 @@
               </a:ln>
               <a:extLst>
                 <a:ext uri="{91240B29-F687-4f45-9708-019B960494DF}">
-                  <a14:hiddenLine xmlns:a14="http://schemas.microsoft.com/office/drawing/2010/main" xmlns="" w="9525">
+                  <a14:hiddenLine xmlns="" xmlns:a14="http://schemas.microsoft.com/office/drawing/2010/main" w="9525">
                     <a:solidFill>
                       <a:srgbClr val="000000"/>
                     </a:solidFill>
@@ -11087,7 +11092,7 @@
               </a:ln>
               <a:extLst>
                 <a:ext uri="{91240B29-F687-4f45-9708-019B960494DF}">
-                  <a14:hiddenLine xmlns:a14="http://schemas.microsoft.com/office/drawing/2010/main" xmlns="" w="9525">
+                  <a14:hiddenLine xmlns="" xmlns:a14="http://schemas.microsoft.com/office/drawing/2010/main" w="9525">
                     <a:solidFill>
                       <a:srgbClr val="000000"/>
                     </a:solidFill>
@@ -11202,7 +11207,7 @@
               </a:ln>
               <a:extLst>
                 <a:ext uri="{91240B29-F687-4f45-9708-019B960494DF}">
-                  <a14:hiddenLine xmlns:a14="http://schemas.microsoft.com/office/drawing/2010/main" xmlns="" w="9525">
+                  <a14:hiddenLine xmlns="" xmlns:a14="http://schemas.microsoft.com/office/drawing/2010/main" w="9525">
                     <a:solidFill>
                       <a:srgbClr val="000000"/>
                     </a:solidFill>
@@ -11292,7 +11297,7 @@
               </a:ln>
               <a:extLst>
                 <a:ext uri="{91240B29-F687-4f45-9708-019B960494DF}">
-                  <a14:hiddenLine xmlns:a14="http://schemas.microsoft.com/office/drawing/2010/main" xmlns="" w="9525">
+                  <a14:hiddenLine xmlns="" xmlns:a14="http://schemas.microsoft.com/office/drawing/2010/main" w="9525">
                     <a:solidFill>
                       <a:srgbClr val="000000"/>
                     </a:solidFill>
@@ -11357,7 +11362,7 @@
               </a:ln>
               <a:extLst>
                 <a:ext uri="{91240B29-F687-4f45-9708-019B960494DF}">
-                  <a14:hiddenLine xmlns:a14="http://schemas.microsoft.com/office/drawing/2010/main" xmlns="" w="9525">
+                  <a14:hiddenLine xmlns="" xmlns:a14="http://schemas.microsoft.com/office/drawing/2010/main" w="9525">
                     <a:solidFill>
                       <a:srgbClr val="000000"/>
                     </a:solidFill>
@@ -11447,7 +11452,7 @@
               </a:ln>
               <a:extLst>
                 <a:ext uri="{91240B29-F687-4f45-9708-019B960494DF}">
-                  <a14:hiddenLine xmlns:a14="http://schemas.microsoft.com/office/drawing/2010/main" xmlns="" w="9525">
+                  <a14:hiddenLine xmlns="" xmlns:a14="http://schemas.microsoft.com/office/drawing/2010/main" w="9525">
                     <a:solidFill>
                       <a:srgbClr val="000000"/>
                     </a:solidFill>
@@ -11515,7 +11520,7 @@
               </a:ln>
               <a:extLst>
                 <a:ext uri="{91240B29-F687-4f45-9708-019B960494DF}">
-                  <a14:hiddenLine xmlns:a14="http://schemas.microsoft.com/office/drawing/2010/main" xmlns="" w="9525">
+                  <a14:hiddenLine xmlns="" xmlns:a14="http://schemas.microsoft.com/office/drawing/2010/main" w="9525">
                     <a:solidFill>
                       <a:srgbClr val="000000"/>
                     </a:solidFill>
@@ -11605,7 +11610,7 @@
               </a:ln>
               <a:extLst>
                 <a:ext uri="{91240B29-F687-4f45-9708-019B960494DF}">
-                  <a14:hiddenLine xmlns:a14="http://schemas.microsoft.com/office/drawing/2010/main" xmlns="" w="9525">
+                  <a14:hiddenLine xmlns="" xmlns:a14="http://schemas.microsoft.com/office/drawing/2010/main" w="9525">
                     <a:solidFill>
                       <a:srgbClr val="000000"/>
                     </a:solidFill>
@@ -11673,7 +11678,7 @@
               </a:ln>
               <a:extLst>
                 <a:ext uri="{91240B29-F687-4f45-9708-019B960494DF}">
-                  <a14:hiddenLine xmlns:a14="http://schemas.microsoft.com/office/drawing/2010/main" xmlns="" w="9525">
+                  <a14:hiddenLine xmlns="" xmlns:a14="http://schemas.microsoft.com/office/drawing/2010/main" w="9525">
                     <a:solidFill>
                       <a:srgbClr val="000000"/>
                     </a:solidFill>
@@ -11763,7 +11768,7 @@
               </a:ln>
               <a:extLst>
                 <a:ext uri="{91240B29-F687-4f45-9708-019B960494DF}">
-                  <a14:hiddenLine xmlns:a14="http://schemas.microsoft.com/office/drawing/2010/main" xmlns="" w="9525">
+                  <a14:hiddenLine xmlns="" xmlns:a14="http://schemas.microsoft.com/office/drawing/2010/main" w="9525">
                     <a:solidFill>
                       <a:srgbClr val="000000"/>
                     </a:solidFill>
@@ -11797,7 +11802,7 @@
               </a:ln>
               <a:extLst>
                 <a:ext uri="{91240B29-F687-4f45-9708-019B960494DF}">
-                  <a14:hiddenLine xmlns:a14="http://schemas.microsoft.com/office/drawing/2010/main" xmlns="" w="9525">
+                  <a14:hiddenLine xmlns="" xmlns:a14="http://schemas.microsoft.com/office/drawing/2010/main" w="9525">
                     <a:solidFill>
                       <a:srgbClr val="000000"/>
                     </a:solidFill>
@@ -11938,7 +11943,7 @@
             <a:fld id="{48A87A34-81AB-432B-8DAE-1953F412C126}" type="datetimeFigureOut">
               <a:rPr lang="en-US" dirty="0"/>
               <a:pPr/>
-              <a:t>11/22/2018</a:t>
+              <a:t>12/2/2018</a:t>
             </a:fld>
             <a:endParaRPr lang="en-US" dirty="0"/>
           </a:p>
@@ -12395,33 +12400,65 @@
             <a:pPr algn="r"/>
             <a:r>
               <a:rPr lang="ru-RU" dirty="0" smtClean="0"/>
-              <a:t>Пьянов А.М.</a:t>
-            </a:r>
-          </a:p>
-          <a:p>
-            <a:pPr algn="r"/>
-            <a:r>
-              <a:rPr lang="ru-RU" dirty="0" smtClean="0"/>
-              <a:t>Никонова </a:t>
-            </a:r>
-            <a:r>
-              <a:rPr lang="ru-RU" dirty="0" err="1" smtClean="0"/>
-              <a:t>м.А</a:t>
+              <a:t>Пьянов А</a:t>
             </a:r>
             <a:r>
               <a:rPr lang="ru-RU" dirty="0" smtClean="0"/>
               <a:t>.</a:t>
             </a:r>
+            <a:r>
+              <a:rPr lang="en-US" dirty="0" smtClean="0"/>
+              <a:t> </a:t>
+            </a:r>
+            <a:r>
+              <a:rPr lang="ru-RU" dirty="0" smtClean="0"/>
+              <a:t>М</a:t>
+            </a:r>
+            <a:r>
+              <a:rPr lang="ru-RU" dirty="0" smtClean="0"/>
+              <a:t>.</a:t>
+            </a:r>
           </a:p>
           <a:p>
             <a:pPr algn="r"/>
             <a:r>
               <a:rPr lang="ru-RU" dirty="0" smtClean="0"/>
-              <a:t>Кислова </a:t>
-            </a:r>
-            <a:r>
-              <a:rPr lang="ru-RU" dirty="0" err="1" smtClean="0"/>
-              <a:t>а.в</a:t>
+              <a:t>Никонова м</a:t>
+            </a:r>
+            <a:r>
+              <a:rPr lang="ru-RU" dirty="0" smtClean="0"/>
+              <a:t>.</a:t>
+            </a:r>
+            <a:r>
+              <a:rPr lang="en-US" dirty="0" smtClean="0"/>
+              <a:t> </a:t>
+            </a:r>
+            <a:r>
+              <a:rPr lang="ru-RU" dirty="0" smtClean="0"/>
+              <a:t>А</a:t>
+            </a:r>
+            <a:r>
+              <a:rPr lang="ru-RU" dirty="0" smtClean="0"/>
+              <a:t>.</a:t>
+            </a:r>
+          </a:p>
+          <a:p>
+            <a:pPr algn="r"/>
+            <a:r>
+              <a:rPr lang="ru-RU" dirty="0" smtClean="0"/>
+              <a:t>Кислова а</a:t>
+            </a:r>
+            <a:r>
+              <a:rPr lang="ru-RU" dirty="0" smtClean="0"/>
+              <a:t>.</a:t>
+            </a:r>
+            <a:r>
+              <a:rPr lang="en-US" dirty="0" smtClean="0"/>
+              <a:t> </a:t>
+            </a:r>
+            <a:r>
+              <a:rPr lang="ru-RU" dirty="0" smtClean="0"/>
+              <a:t>в</a:t>
             </a:r>
             <a:r>
               <a:rPr lang="ru-RU" dirty="0" smtClean="0"/>
@@ -12705,54 +12742,6 @@
       </p:grpSpPr>
       <p:sp>
         <p:nvSpPr>
-          <p:cNvPr id="6" name="Прямоугольник 5"/>
-          <p:cNvSpPr/>
-          <p:nvPr/>
-        </p:nvSpPr>
-        <p:spPr>
-          <a:xfrm>
-            <a:off x="2662734" y="2993764"/>
-            <a:ext cx="6059606" cy="2729553"/>
-          </a:xfrm>
-          <a:prstGeom prst="rect">
-            <a:avLst/>
-          </a:prstGeom>
-          <a:solidFill>
-            <a:schemeClr val="tx1"/>
-          </a:solidFill>
-          <a:ln>
-            <a:solidFill>
-              <a:schemeClr val="tx1"/>
-            </a:solidFill>
-          </a:ln>
-        </p:spPr>
-        <p:style>
-          <a:lnRef idx="2">
-            <a:schemeClr val="accent1">
-              <a:shade val="50000"/>
-            </a:schemeClr>
-          </a:lnRef>
-          <a:fillRef idx="1">
-            <a:schemeClr val="accent1"/>
-          </a:fillRef>
-          <a:effectRef idx="0">
-            <a:schemeClr val="accent1"/>
-          </a:effectRef>
-          <a:fontRef idx="minor">
-            <a:schemeClr val="lt1"/>
-          </a:fontRef>
-        </p:style>
-        <p:txBody>
-          <a:bodyPr rtlCol="0" anchor="ctr"/>
-          <a:lstStyle/>
-          <a:p>
-            <a:pPr algn="ctr"/>
-            <a:endParaRPr lang="ru-RU"/>
-          </a:p>
-        </p:txBody>
-      </p:sp>
-      <p:sp>
-        <p:nvSpPr>
           <p:cNvPr id="2" name="Заголовок 1"/>
           <p:cNvSpPr>
             <a:spLocks noGrp="1"/>
@@ -12837,80 +12826,30 @@
           </a:p>
         </p:txBody>
       </p:sp>
-      <p:graphicFrame>
-        <p:nvGraphicFramePr>
-          <p:cNvPr id="5" name="Объект 4"/>
-          <p:cNvGraphicFramePr>
-            <a:graphicFrameLocks noChangeAspect="1"/>
-          </p:cNvGraphicFramePr>
-          <p:nvPr>
-            <p:extLst>
-              <p:ext uri="{D42A27DB-BD31-4B8C-83A1-F6EECF244321}">
-                <p14:modId xmlns:p14="http://schemas.microsoft.com/office/powerpoint/2010/main" val="862496035"/>
-              </p:ext>
-            </p:extLst>
-          </p:nvPr>
-        </p:nvGraphicFramePr>
-        <p:xfrm>
-          <a:off x="2797790" y="3029804"/>
-          <a:ext cx="5924550" cy="2657475"/>
-        </p:xfrm>
-        <a:graphic>
-          <a:graphicData uri="http://schemas.openxmlformats.org/presentationml/2006/ole">
-            <mc:AlternateContent xmlns:mc="http://schemas.openxmlformats.org/markup-compatibility/2006">
-              <mc:Choice xmlns:v="urn:schemas-microsoft-com:vml" Requires="v">
-                <p:oleObj spid="_x0000_s2052" r:id="rId3" imgW="7382015" imgH="3305258" progId="Visio.Drawing.15">
-                  <p:embed/>
-                </p:oleObj>
-              </mc:Choice>
-              <mc:Fallback>
-                <p:oleObj r:id="rId3" imgW="7382015" imgH="3305258" progId="Visio.Drawing.15">
-                  <p:embed/>
-                  <p:pic>
-                    <p:nvPicPr>
-                      <p:cNvPr id="0" name="Object 1"/>
-                      <p:cNvPicPr>
-                        <a:picLocks noChangeAspect="1" noChangeArrowheads="1"/>
-                      </p:cNvPicPr>
-                      <p:nvPr/>
-                    </p:nvPicPr>
-                    <p:blipFill>
-                      <a:blip r:embed="rId4">
-                        <a:extLst>
-                          <a:ext uri="{28A0092B-C50C-407E-A947-70E740481C1C}">
-                            <a14:useLocalDpi xmlns:a14="http://schemas.microsoft.com/office/drawing/2010/main" val="0"/>
-                          </a:ext>
-                        </a:extLst>
-                      </a:blip>
-                      <a:srcRect/>
-                      <a:stretch>
-                        <a:fillRect/>
-                      </a:stretch>
-                    </p:blipFill>
-                    <p:spPr bwMode="auto">
-                      <a:xfrm>
-                        <a:off x="2797790" y="3029804"/>
-                        <a:ext cx="5924550" cy="2657475"/>
-                      </a:xfrm>
-                      <a:prstGeom prst="rect">
-                        <a:avLst/>
-                      </a:prstGeom>
-                      <a:solidFill>
-                        <a:schemeClr val="tx1"/>
-                      </a:solidFill>
-                      <a:ln>
-                        <a:solidFill>
-                          <a:schemeClr val="tx1"/>
-                        </a:solidFill>
-                      </a:ln>
-                    </p:spPr>
-                  </p:pic>
-                </p:oleObj>
-              </mc:Fallback>
-            </mc:AlternateContent>
-          </a:graphicData>
-        </a:graphic>
-      </p:graphicFrame>
+      <p:pic>
+        <p:nvPicPr>
+          <p:cNvPr id="8" name="Рисунок 7"/>
+          <p:cNvPicPr>
+            <a:picLocks noChangeAspect="1"/>
+          </p:cNvPicPr>
+          <p:nvPr/>
+        </p:nvPicPr>
+        <p:blipFill>
+          <a:blip r:embed="rId2"/>
+          <a:stretch>
+            <a:fillRect/>
+          </a:stretch>
+        </p:blipFill>
+        <p:spPr>
+          <a:xfrm>
+            <a:off x="2131116" y="2251277"/>
+            <a:ext cx="7929769" cy="3243436"/>
+          </a:xfrm>
+          <a:prstGeom prst="rect">
+            <a:avLst/>
+          </a:prstGeom>
+        </p:spPr>
+      </p:pic>
     </p:spTree>
     <p:extLst>
       <p:ext uri="{BB962C8B-B14F-4D97-AF65-F5344CB8AC3E}">
@@ -13049,7 +12988,7 @@
           <a:graphicData uri="http://schemas.openxmlformats.org/presentationml/2006/ole">
             <mc:AlternateContent xmlns:mc="http://schemas.openxmlformats.org/markup-compatibility/2006">
               <mc:Choice xmlns:v="urn:schemas-microsoft-com:vml" Requires="v">
-                <p:oleObj spid="_x0000_s3076" r:id="rId3" imgW="15234551" imgH="7132418" progId="Visio.Drawing.15">
+                <p:oleObj spid="_x0000_s3078" r:id="rId3" imgW="15234551" imgH="7132418" progId="Visio.Drawing.15">
                   <p:embed/>
                 </p:oleObj>
               </mc:Choice>
@@ -13132,8 +13071,8 @@
         </p:nvSpPr>
         <p:spPr>
           <a:xfrm>
-            <a:off x="1760562" y="1119116"/>
-            <a:ext cx="7833814" cy="5738884"/>
+            <a:off x="2641194" y="1119115"/>
+            <a:ext cx="6909613" cy="5331561"/>
           </a:xfrm>
           <a:prstGeom prst="rect">
             <a:avLst/>
@@ -13272,20 +13211,20 @@
           <p:nvPr>
             <p:extLst>
               <p:ext uri="{D42A27DB-BD31-4B8C-83A1-F6EECF244321}">
-                <p14:modId xmlns:p14="http://schemas.microsoft.com/office/powerpoint/2010/main" val="2048719235"/>
+                <p14:modId xmlns:p14="http://schemas.microsoft.com/office/powerpoint/2010/main" val="1788817404"/>
               </p:ext>
             </p:extLst>
           </p:nvPr>
         </p:nvGraphicFramePr>
         <p:xfrm>
-          <a:off x="1760562" y="1132765"/>
-          <a:ext cx="7806519" cy="6250674"/>
+          <a:off x="2641194" y="1119115"/>
+          <a:ext cx="6909613" cy="5532522"/>
         </p:xfrm>
         <a:graphic>
           <a:graphicData uri="http://schemas.openxmlformats.org/presentationml/2006/ole">
             <mc:AlternateContent xmlns:mc="http://schemas.openxmlformats.org/markup-compatibility/2006">
               <mc:Choice xmlns:v="urn:schemas-microsoft-com:vml" Requires="v">
-                <p:oleObj spid="_x0000_s4100" r:id="rId3" imgW="5858015" imgH="6229312" progId="Visio.Drawing.15">
+                <p:oleObj spid="_x0000_s4102" r:id="rId3" imgW="5858015" imgH="6229312" progId="Visio.Drawing.15">
                   <p:embed/>
                 </p:oleObj>
               </mc:Choice>
@@ -13315,8 +13254,8 @@
                     </p:blipFill>
                     <p:spPr bwMode="auto">
                       <a:xfrm>
-                        <a:off x="1760562" y="1132765"/>
-                        <a:ext cx="7806519" cy="6250674"/>
+                        <a:off x="2641194" y="1119115"/>
+                        <a:ext cx="6909613" cy="5532522"/>
                       </a:xfrm>
                       <a:prstGeom prst="rect">
                         <a:avLst/>
@@ -13407,8 +13346,15 @@
           <a:p>
             <a:r>
               <a:rPr lang="ru-RU" dirty="0" smtClean="0"/>
+              <a:t>Гость</a:t>
+            </a:r>
+          </a:p>
+          <a:p>
+            <a:r>
+              <a:rPr lang="ru-RU" dirty="0" smtClean="0"/>
               <a:t>Пользователь</a:t>
             </a:r>
+            <a:endParaRPr lang="ru-RU" dirty="0" smtClean="0"/>
           </a:p>
           <a:p>
             <a:r>
@@ -13652,7 +13598,7 @@
         </p:blipFill>
         <p:spPr>
           <a:xfrm>
-            <a:off x="2955965" y="2249488"/>
+            <a:off x="2957553" y="2249488"/>
             <a:ext cx="6276895" cy="3541712"/>
           </a:xfrm>
         </p:spPr>
@@ -13704,7 +13650,11 @@
           <a:p>
             <a:r>
               <a:rPr lang="ru-RU" dirty="0" smtClean="0"/>
-              <a:t>Функции программной системы</a:t>
+              <a:t>Цель программной </a:t>
+            </a:r>
+            <a:r>
+              <a:rPr lang="ru-RU" dirty="0" err="1" smtClean="0"/>
+              <a:t>стистемы</a:t>
             </a:r>
             <a:endParaRPr lang="ru-RU" dirty="0"/>
           </a:p>
@@ -13727,61 +13677,288 @@
           <a:p>
             <a:r>
               <a:rPr lang="ru-RU" dirty="0" smtClean="0"/>
-              <a:t>представление </a:t>
-            </a:r>
-            <a:r>
-              <a:rPr lang="ru-RU" dirty="0"/>
-              <a:t>подробных данных о ДТП в течении последних 3х лет, в любой отрезок времени</a:t>
-            </a:r>
-            <a:r>
-              <a:rPr lang="ru-RU" dirty="0" smtClean="0"/>
-              <a:t>;</a:t>
-            </a:r>
-          </a:p>
-          <a:p>
-            <a:r>
-              <a:rPr lang="ru-RU" dirty="0" smtClean="0"/>
-              <a:t>предоставление </a:t>
-            </a:r>
-            <a:r>
-              <a:rPr lang="ru-RU" dirty="0"/>
-              <a:t>данных о конкретном ДТП из перечня</a:t>
-            </a:r>
-            <a:r>
-              <a:rPr lang="ru-RU" dirty="0" smtClean="0"/>
-              <a:t>;</a:t>
-            </a:r>
-          </a:p>
-          <a:p>
-            <a:r>
-              <a:rPr lang="ru-RU" dirty="0" smtClean="0"/>
-              <a:t>вывод </a:t>
-            </a:r>
-            <a:r>
-              <a:rPr lang="ru-RU" dirty="0"/>
-              <a:t>информации о самых частых местах дорожно-транспортных происшествий</a:t>
-            </a:r>
-            <a:r>
-              <a:rPr lang="ru-RU" dirty="0" smtClean="0"/>
-              <a:t>;</a:t>
-            </a:r>
-          </a:p>
-          <a:p>
-            <a:r>
-              <a:rPr lang="ru-RU" dirty="0" smtClean="0"/>
-              <a:t>генерация </a:t>
-            </a:r>
-            <a:r>
-              <a:rPr lang="ru-RU" dirty="0"/>
-              <a:t>графиков, отображающих динамику возникновения ДТП.</a:t>
-            </a:r>
+              <a:t>А</a:t>
+            </a:r>
+            <a:r>
+              <a:rPr lang="en-US" dirty="0" err="1" smtClean="0"/>
+              <a:t>грегация</a:t>
+            </a:r>
+            <a:r>
+              <a:rPr lang="en-US" dirty="0" smtClean="0"/>
+              <a:t> </a:t>
+            </a:r>
+            <a:r>
+              <a:rPr lang="en-US" dirty="0" err="1"/>
+              <a:t>новостей</a:t>
+            </a:r>
+            <a:r>
+              <a:rPr lang="en-US" dirty="0"/>
+              <a:t> о ДТП </a:t>
+            </a:r>
+            <a:r>
+              <a:rPr lang="en-US" dirty="0" err="1"/>
+              <a:t>как</a:t>
+            </a:r>
+            <a:r>
+              <a:rPr lang="en-US" dirty="0"/>
+              <a:t> </a:t>
+            </a:r>
+            <a:r>
+              <a:rPr lang="en-US" dirty="0" err="1"/>
+              <a:t>путем</a:t>
+            </a:r>
+            <a:r>
+              <a:rPr lang="en-US" dirty="0"/>
+              <a:t> </a:t>
+            </a:r>
+            <a:r>
+              <a:rPr lang="en-US" dirty="0" err="1"/>
+              <a:t>их</a:t>
+            </a:r>
+            <a:r>
+              <a:rPr lang="en-US" dirty="0"/>
+              <a:t> </a:t>
+            </a:r>
+            <a:r>
+              <a:rPr lang="en-US" dirty="0" err="1"/>
+              <a:t>добавления</a:t>
+            </a:r>
+            <a:r>
+              <a:rPr lang="en-US" dirty="0"/>
+              <a:t> </a:t>
+            </a:r>
+            <a:r>
+              <a:rPr lang="en-US" dirty="0" err="1"/>
+              <a:t>пользователями</a:t>
+            </a:r>
+            <a:r>
+              <a:rPr lang="en-US" dirty="0"/>
+              <a:t>, </a:t>
+            </a:r>
+            <a:r>
+              <a:rPr lang="en-US" dirty="0" err="1"/>
+              <a:t>так</a:t>
+            </a:r>
+            <a:r>
+              <a:rPr lang="en-US" dirty="0"/>
+              <a:t> и в </a:t>
+            </a:r>
+            <a:r>
+              <a:rPr lang="en-US" dirty="0" err="1"/>
+              <a:t>реальном</a:t>
+            </a:r>
+            <a:r>
+              <a:rPr lang="en-US" dirty="0"/>
+              <a:t> </a:t>
+            </a:r>
+            <a:r>
+              <a:rPr lang="en-US" dirty="0" err="1"/>
+              <a:t>времени</a:t>
+            </a:r>
+            <a:r>
+              <a:rPr lang="en-US" dirty="0"/>
+              <a:t> </a:t>
+            </a:r>
+            <a:r>
+              <a:rPr lang="en-US" dirty="0" err="1"/>
+              <a:t>из</a:t>
+            </a:r>
+            <a:r>
+              <a:rPr lang="en-US" dirty="0"/>
+              <a:t> </a:t>
+            </a:r>
+            <a:r>
+              <a:rPr lang="en-US" dirty="0" err="1"/>
+              <a:t>сторонних</a:t>
+            </a:r>
+            <a:r>
+              <a:rPr lang="en-US" dirty="0"/>
+              <a:t> </a:t>
+            </a:r>
+            <a:r>
+              <a:rPr lang="en-US" dirty="0" err="1"/>
+              <a:t>ресурсов</a:t>
+            </a:r>
+            <a:r>
+              <a:rPr lang="en-US" dirty="0"/>
+              <a:t> «</a:t>
+            </a:r>
+            <a:r>
+              <a:rPr lang="en-US" dirty="0" err="1"/>
+              <a:t>Яндекс.Карты</a:t>
+            </a:r>
+            <a:r>
+              <a:rPr lang="en-US" dirty="0"/>
+              <a:t>», а </a:t>
+            </a:r>
+            <a:r>
+              <a:rPr lang="en-US" dirty="0" err="1"/>
+              <a:t>также</a:t>
+            </a:r>
+            <a:r>
+              <a:rPr lang="en-US" dirty="0"/>
+              <a:t> </a:t>
+            </a:r>
+            <a:r>
+              <a:rPr lang="en-US" dirty="0" err="1"/>
+              <a:t>предоставление</a:t>
+            </a:r>
+            <a:r>
+              <a:rPr lang="en-US" dirty="0"/>
+              <a:t> </a:t>
+            </a:r>
+            <a:r>
+              <a:rPr lang="en-US" dirty="0" err="1"/>
+              <a:t>статистики</a:t>
+            </a:r>
+            <a:r>
+              <a:rPr lang="en-US" dirty="0"/>
+              <a:t> </a:t>
+            </a:r>
+            <a:r>
+              <a:rPr lang="en-US" dirty="0" err="1"/>
+              <a:t>за</a:t>
+            </a:r>
+            <a:r>
+              <a:rPr lang="en-US" dirty="0"/>
+              <a:t> </a:t>
+            </a:r>
+            <a:r>
+              <a:rPr lang="en-US" dirty="0" err="1"/>
+              <a:t>выбранный</a:t>
+            </a:r>
+            <a:r>
+              <a:rPr lang="en-US" dirty="0"/>
+              <a:t> </a:t>
+            </a:r>
+            <a:r>
+              <a:rPr lang="en-US" dirty="0" err="1"/>
+              <a:t>период</a:t>
+            </a:r>
+            <a:r>
+              <a:rPr lang="en-US" dirty="0"/>
+              <a:t> </a:t>
+            </a:r>
+            <a:r>
+              <a:rPr lang="en-US" dirty="0" err="1"/>
+              <a:t>на</a:t>
+            </a:r>
+            <a:r>
+              <a:rPr lang="en-US" dirty="0"/>
+              <a:t> </a:t>
+            </a:r>
+            <a:r>
+              <a:rPr lang="en-US" dirty="0" err="1"/>
+              <a:t>дорожном</a:t>
+            </a:r>
+            <a:r>
+              <a:rPr lang="en-US" dirty="0"/>
+              <a:t> </a:t>
+            </a:r>
+            <a:r>
+              <a:rPr lang="en-US" dirty="0" err="1"/>
+              <a:t>объекте</a:t>
+            </a:r>
+            <a:r>
+              <a:rPr lang="en-US" dirty="0"/>
+              <a:t> </a:t>
+            </a:r>
+            <a:r>
+              <a:rPr lang="en-US" dirty="0" err="1"/>
+              <a:t>начиная</a:t>
+            </a:r>
+            <a:r>
+              <a:rPr lang="en-US" dirty="0"/>
+              <a:t> </a:t>
+            </a:r>
+            <a:r>
+              <a:rPr lang="en-US" dirty="0" err="1"/>
+              <a:t>от</a:t>
+            </a:r>
+            <a:r>
+              <a:rPr lang="en-US" dirty="0"/>
+              <a:t> </a:t>
+            </a:r>
+            <a:r>
+              <a:rPr lang="en-US" dirty="0" err="1"/>
+              <a:t>перекрестка</a:t>
+            </a:r>
+            <a:r>
+              <a:rPr lang="en-US" dirty="0"/>
+              <a:t> </a:t>
+            </a:r>
+            <a:r>
+              <a:rPr lang="en-US" dirty="0" err="1"/>
+              <a:t>или</a:t>
+            </a:r>
+            <a:r>
+              <a:rPr lang="en-US" dirty="0"/>
+              <a:t> </a:t>
+            </a:r>
+            <a:r>
+              <a:rPr lang="en-US" dirty="0" err="1"/>
+              <a:t>участка</a:t>
+            </a:r>
+            <a:r>
+              <a:rPr lang="en-US" dirty="0"/>
+              <a:t> </a:t>
+            </a:r>
+            <a:r>
+              <a:rPr lang="en-US" dirty="0" err="1"/>
+              <a:t>дороги</a:t>
+            </a:r>
+            <a:r>
+              <a:rPr lang="en-US" dirty="0"/>
+              <a:t> </a:t>
+            </a:r>
+            <a:r>
+              <a:rPr lang="en-US" dirty="0" err="1"/>
+              <a:t>до</a:t>
+            </a:r>
+            <a:r>
+              <a:rPr lang="en-US" dirty="0"/>
+              <a:t> </a:t>
+            </a:r>
+            <a:r>
+              <a:rPr lang="en-US" dirty="0" err="1"/>
+              <a:t>района</a:t>
+            </a:r>
+            <a:r>
+              <a:rPr lang="en-US" dirty="0"/>
+              <a:t> </a:t>
+            </a:r>
+            <a:r>
+              <a:rPr lang="en-US" dirty="0" err="1"/>
+              <a:t>или</a:t>
+            </a:r>
+            <a:r>
+              <a:rPr lang="en-US" dirty="0"/>
+              <a:t> </a:t>
+            </a:r>
+            <a:r>
+              <a:rPr lang="en-US" dirty="0" err="1"/>
+              <a:t>города</a:t>
+            </a:r>
+            <a:r>
+              <a:rPr lang="en-US" dirty="0"/>
+              <a:t> в </a:t>
+            </a:r>
+            <a:r>
+              <a:rPr lang="en-US" dirty="0" err="1"/>
+              <a:t>целом</a:t>
+            </a:r>
+            <a:r>
+              <a:rPr lang="en-US" dirty="0"/>
+              <a:t>.</a:t>
+            </a:r>
+            <a:endParaRPr lang="ru-RU" dirty="0"/>
           </a:p>
         </p:txBody>
       </p:sp>
     </p:spTree>
     <p:extLst>
       <p:ext uri="{BB962C8B-B14F-4D97-AF65-F5344CB8AC3E}">
-        <p14:creationId xmlns:p14="http://schemas.microsoft.com/office/powerpoint/2010/main" val="2437134433"/>
+        <p14:creationId xmlns:p14="http://schemas.microsoft.com/office/powerpoint/2010/main" val="276161139"/>
       </p:ext>
     </p:extLst>
   </p:cSld>
@@ -13825,7 +14002,7 @@
           <a:p>
             <a:r>
               <a:rPr lang="ru-RU" dirty="0" smtClean="0"/>
-              <a:t>Основные понятия</a:t>
+              <a:t>Функции программной системы</a:t>
             </a:r>
             <a:endParaRPr lang="ru-RU" dirty="0"/>
           </a:p>
@@ -13848,46 +14025,61 @@
           <a:p>
             <a:r>
               <a:rPr lang="ru-RU" dirty="0" smtClean="0"/>
-              <a:t>Пользователь</a:t>
-            </a:r>
-          </a:p>
-          <a:p>
+              <a:t>представление </a:t>
+            </a:r>
+            <a:r>
+              <a:rPr lang="ru-RU" dirty="0"/>
+              <a:t>подробных данных о ДТП в течении последних 3х лет, в любой отрезок времени</a:t>
+            </a:r>
             <a:r>
               <a:rPr lang="ru-RU" dirty="0" smtClean="0"/>
-              <a:t>Модератор</a:t>
+              <a:t>;</a:t>
             </a:r>
           </a:p>
           <a:p>
             <a:r>
               <a:rPr lang="ru-RU" dirty="0" smtClean="0"/>
-              <a:t>Администратор</a:t>
-            </a:r>
-          </a:p>
-          <a:p>
+              <a:t>предоставление </a:t>
+            </a:r>
+            <a:r>
+              <a:rPr lang="ru-RU" dirty="0"/>
+              <a:t>данных о конкретном ДТП из перечня</a:t>
+            </a:r>
             <a:r>
               <a:rPr lang="ru-RU" dirty="0" smtClean="0"/>
-              <a:t>ДТП</a:t>
+              <a:t>;</a:t>
             </a:r>
           </a:p>
           <a:p>
             <a:r>
               <a:rPr lang="ru-RU" dirty="0" smtClean="0"/>
-              <a:t>Анализ</a:t>
-            </a:r>
-          </a:p>
-          <a:p>
+              <a:t>вывод </a:t>
+            </a:r>
+            <a:r>
+              <a:rPr lang="ru-RU" dirty="0"/>
+              <a:t>информации о самых частых местах дорожно-транспортных происшествий</a:t>
+            </a:r>
             <a:r>
               <a:rPr lang="ru-RU" dirty="0" smtClean="0"/>
-              <a:t>Дорожный объект</a:t>
-            </a:r>
-            <a:endParaRPr lang="ru-RU" dirty="0"/>
+              <a:t>;</a:t>
+            </a:r>
+          </a:p>
+          <a:p>
+            <a:r>
+              <a:rPr lang="ru-RU" dirty="0" smtClean="0"/>
+              <a:t>генерация </a:t>
+            </a:r>
+            <a:r>
+              <a:rPr lang="ru-RU" dirty="0"/>
+              <a:t>графиков, отображающих динамику возникновения ДТП.</a:t>
+            </a:r>
           </a:p>
         </p:txBody>
       </p:sp>
     </p:spTree>
     <p:extLst>
       <p:ext uri="{BB962C8B-B14F-4D97-AF65-F5344CB8AC3E}">
-        <p14:creationId xmlns:p14="http://schemas.microsoft.com/office/powerpoint/2010/main" val="701321630"/>
+        <p14:creationId xmlns:p14="http://schemas.microsoft.com/office/powerpoint/2010/main" val="2437134433"/>
       </p:ext>
     </p:extLst>
   </p:cSld>
@@ -13931,135 +14123,69 @@
           <a:p>
             <a:r>
               <a:rPr lang="ru-RU" dirty="0" smtClean="0"/>
-              <a:t>Функциональные требования</a:t>
+              <a:t>Основные понятия</a:t>
             </a:r>
             <a:endParaRPr lang="ru-RU" dirty="0"/>
           </a:p>
         </p:txBody>
       </p:sp>
-      <p:graphicFrame>
-        <p:nvGraphicFramePr>
-          <p:cNvPr id="4" name="Объект 3"/>
-          <p:cNvGraphicFramePr>
-            <a:graphicFrameLocks noGrp="1"/>
-          </p:cNvGraphicFramePr>
+      <p:sp>
+        <p:nvSpPr>
+          <p:cNvPr id="3" name="Объект 2"/>
+          <p:cNvSpPr>
+            <a:spLocks noGrp="1"/>
+          </p:cNvSpPr>
           <p:nvPr>
             <p:ph idx="1"/>
-            <p:extLst>
-              <p:ext uri="{D42A27DB-BD31-4B8C-83A1-F6EECF244321}">
-                <p14:modId xmlns:p14="http://schemas.microsoft.com/office/powerpoint/2010/main" val="3874306038"/>
-              </p:ext>
-            </p:extLst>
           </p:nvPr>
-        </p:nvGraphicFramePr>
-        <p:xfrm>
-          <a:off x="1141413" y="2249488"/>
-          <a:ext cx="9906000" cy="2748280"/>
-        </p:xfrm>
-        <a:graphic>
-          <a:graphicData uri="http://schemas.openxmlformats.org/drawingml/2006/table">
-            <a:tbl>
-              <a:tblPr firstRow="1" bandRow="1">
-                <a:tableStyleId>{7E9639D4-E3E2-4D34-9284-5A2195B3D0D7}</a:tableStyleId>
-              </a:tblPr>
-              <a:tblGrid>
-                <a:gridCol w="4953000"/>
-                <a:gridCol w="4953000"/>
-              </a:tblGrid>
-              <a:tr h="370840">
-                <a:tc>
-                  <a:txBody>
-                    <a:bodyPr/>
-                    <a:lstStyle/>
-                    <a:p>
-                      <a:r>
-                        <a:rPr lang="ru-RU" dirty="0" smtClean="0"/>
-                        <a:t>Бизнес-требования</a:t>
-                      </a:r>
-                      <a:endParaRPr lang="ru-RU" dirty="0"/>
-                    </a:p>
-                  </a:txBody>
-                  <a:tcPr/>
-                </a:tc>
-                <a:tc>
-                  <a:txBody>
-                    <a:bodyPr/>
-                    <a:lstStyle/>
-                    <a:p>
-                      <a:r>
-                        <a:rPr lang="ru-RU" dirty="0" smtClean="0"/>
-                        <a:t>Пользовательские требования</a:t>
-                      </a:r>
-                      <a:endParaRPr lang="ru-RU" dirty="0"/>
-                    </a:p>
-                  </a:txBody>
-                  <a:tcPr/>
-                </a:tc>
-              </a:tr>
-              <a:tr h="370840">
-                <a:tc>
-                  <a:txBody>
-                    <a:bodyPr/>
-                    <a:lstStyle/>
-                    <a:p>
-                      <a:r>
-                        <a:rPr lang="ru-RU" dirty="0" smtClean="0"/>
-                        <a:t>Веб-приложение для анализа ДТП</a:t>
-                      </a:r>
-                      <a:endParaRPr lang="ru-RU" dirty="0"/>
-                    </a:p>
-                  </a:txBody>
-                  <a:tcPr/>
-                </a:tc>
-                <a:tc>
-                  <a:txBody>
-                    <a:bodyPr/>
-                    <a:lstStyle/>
-                    <a:p>
-                      <a:r>
-                        <a:rPr lang="ru-RU" dirty="0" smtClean="0"/>
-                        <a:t>При первом посещении сайта пользователю должна быть доступна главная страница с информацией о приложении и различными функциями (которые становится доступны после регистрации и входа)</a:t>
-                      </a:r>
-                      <a:endParaRPr lang="ru-RU" dirty="0"/>
-                    </a:p>
-                  </a:txBody>
-                  <a:tcPr/>
-                </a:tc>
-              </a:tr>
-              <a:tr h="370840">
-                <a:tc>
-                  <a:txBody>
-                    <a:bodyPr/>
-                    <a:lstStyle/>
-                    <a:p>
-                      <a:endParaRPr lang="ru-RU"/>
-                    </a:p>
-                  </a:txBody>
-                  <a:tcPr/>
-                </a:tc>
-                <a:tc>
-                  <a:txBody>
-                    <a:bodyPr/>
-                    <a:lstStyle/>
-                    <a:p>
-                      <a:r>
-                        <a:rPr lang="ru-RU" dirty="0" smtClean="0"/>
-                        <a:t>Для авторизованного пользователя доступно: вывод анализа ДТП и графиков, добавление новостей о ДТП</a:t>
-                      </a:r>
-                      <a:endParaRPr lang="ru-RU" dirty="0"/>
-                    </a:p>
-                  </a:txBody>
-                  <a:tcPr/>
-                </a:tc>
-              </a:tr>
-            </a:tbl>
-          </a:graphicData>
-        </a:graphic>
-      </p:graphicFrame>
+        </p:nvSpPr>
+        <p:spPr/>
+        <p:txBody>
+          <a:bodyPr/>
+          <a:lstStyle/>
+          <a:p>
+            <a:r>
+              <a:rPr lang="ru-RU" dirty="0" smtClean="0"/>
+              <a:t>Пользователь</a:t>
+            </a:r>
+          </a:p>
+          <a:p>
+            <a:r>
+              <a:rPr lang="ru-RU" dirty="0" smtClean="0"/>
+              <a:t>Модератор</a:t>
+            </a:r>
+          </a:p>
+          <a:p>
+            <a:r>
+              <a:rPr lang="ru-RU" dirty="0" smtClean="0"/>
+              <a:t>Администратор</a:t>
+            </a:r>
+          </a:p>
+          <a:p>
+            <a:r>
+              <a:rPr lang="ru-RU" dirty="0" smtClean="0"/>
+              <a:t>ДТП</a:t>
+            </a:r>
+          </a:p>
+          <a:p>
+            <a:r>
+              <a:rPr lang="ru-RU" dirty="0" smtClean="0"/>
+              <a:t>Анализ</a:t>
+            </a:r>
+          </a:p>
+          <a:p>
+            <a:r>
+              <a:rPr lang="ru-RU" dirty="0" smtClean="0"/>
+              <a:t>Дорожный объект</a:t>
+            </a:r>
+            <a:endParaRPr lang="ru-RU" dirty="0"/>
+          </a:p>
+        </p:txBody>
+      </p:sp>
     </p:spTree>
     <p:extLst>
       <p:ext uri="{BB962C8B-B14F-4D97-AF65-F5344CB8AC3E}">
-        <p14:creationId xmlns:p14="http://schemas.microsoft.com/office/powerpoint/2010/main" val="3853174784"/>
+        <p14:creationId xmlns:p14="http://schemas.microsoft.com/office/powerpoint/2010/main" val="701321630"/>
       </p:ext>
     </p:extLst>
   </p:cSld>
@@ -14103,92 +14229,162 @@
           <a:p>
             <a:r>
               <a:rPr lang="ru-RU" dirty="0" smtClean="0"/>
-              <a:t>Нефункциональные требования</a:t>
+              <a:t>Функциональные требования</a:t>
             </a:r>
             <a:endParaRPr lang="ru-RU" dirty="0"/>
           </a:p>
         </p:txBody>
       </p:sp>
-      <p:sp>
-        <p:nvSpPr>
-          <p:cNvPr id="3" name="Объект 2"/>
-          <p:cNvSpPr>
-            <a:spLocks noGrp="1"/>
-          </p:cNvSpPr>
+      <p:graphicFrame>
+        <p:nvGraphicFramePr>
+          <p:cNvPr id="4" name="Объект 3"/>
+          <p:cNvGraphicFramePr>
+            <a:graphicFrameLocks noGrp="1"/>
+          </p:cNvGraphicFramePr>
           <p:nvPr>
             <p:ph idx="1"/>
+            <p:extLst>
+              <p:ext uri="{D42A27DB-BD31-4B8C-83A1-F6EECF244321}">
+                <p14:modId xmlns:p14="http://schemas.microsoft.com/office/powerpoint/2010/main" val="3874306038"/>
+              </p:ext>
+            </p:extLst>
           </p:nvPr>
-        </p:nvSpPr>
-        <p:spPr/>
-        <p:txBody>
-          <a:bodyPr/>
-          <a:lstStyle/>
-          <a:p>
-            <a:r>
-              <a:rPr lang="ru-RU" dirty="0"/>
-              <a:t>Я</a:t>
-            </a:r>
-            <a:r>
-              <a:rPr lang="ru-RU" dirty="0" smtClean="0"/>
-              <a:t>зык </a:t>
-            </a:r>
-            <a:r>
-              <a:rPr lang="ru-RU" dirty="0" err="1" smtClean="0"/>
-              <a:t>Java</a:t>
-            </a:r>
-            <a:r>
-              <a:rPr lang="ru-RU" dirty="0" smtClean="0"/>
-              <a:t>,</a:t>
-            </a:r>
-          </a:p>
-          <a:p>
-            <a:r>
-              <a:rPr lang="en-US" dirty="0" smtClean="0"/>
-              <a:t>Web-</a:t>
-            </a:r>
-            <a:r>
-              <a:rPr lang="ru-RU" dirty="0" smtClean="0"/>
-              <a:t>приложение,</a:t>
-            </a:r>
-          </a:p>
-          <a:p>
-            <a:r>
-              <a:rPr lang="en-US" dirty="0" smtClean="0"/>
-              <a:t>Spring,</a:t>
-            </a:r>
-          </a:p>
-          <a:p>
-            <a:r>
-              <a:rPr lang="ru-RU" dirty="0" smtClean="0"/>
-              <a:t>СУБД </a:t>
-            </a:r>
-            <a:r>
-              <a:rPr lang="en-US" dirty="0" smtClean="0"/>
-              <a:t>MySQL</a:t>
-            </a:r>
-            <a:r>
-              <a:rPr lang="ru-RU" dirty="0" smtClean="0"/>
-              <a:t>,</a:t>
-            </a:r>
-          </a:p>
-          <a:p>
-            <a:r>
-              <a:rPr lang="ru-RU" dirty="0" smtClean="0"/>
-              <a:t>Пользовательский интерфейс,</a:t>
-            </a:r>
-          </a:p>
-          <a:p>
-            <a:r>
-              <a:rPr lang="ru-RU" dirty="0" smtClean="0"/>
-              <a:t>Надежность</a:t>
-            </a:r>
-          </a:p>
-        </p:txBody>
-      </p:sp>
+        </p:nvGraphicFramePr>
+        <p:xfrm>
+          <a:off x="1141413" y="2249488"/>
+          <a:ext cx="9906000" cy="2748280"/>
+        </p:xfrm>
+        <a:graphic>
+          <a:graphicData uri="http://schemas.openxmlformats.org/drawingml/2006/table">
+            <a:tbl>
+              <a:tblPr firstRow="1" bandRow="1">
+                <a:tableStyleId>{7E9639D4-E3E2-4D34-9284-5A2195B3D0D7}</a:tableStyleId>
+              </a:tblPr>
+              <a:tblGrid>
+                <a:gridCol w="4953000">
+                  <a:extLst>
+                    <a:ext uri="{9D8B030D-6E8A-4147-A177-3AD203B41FA5}">
+                      <a16:colId xmlns:a16="http://schemas.microsoft.com/office/drawing/2014/main" val="20000"/>
+                    </a:ext>
+                  </a:extLst>
+                </a:gridCol>
+                <a:gridCol w="4953000">
+                  <a:extLst>
+                    <a:ext uri="{9D8B030D-6E8A-4147-A177-3AD203B41FA5}">
+                      <a16:colId xmlns:a16="http://schemas.microsoft.com/office/drawing/2014/main" val="20001"/>
+                    </a:ext>
+                  </a:extLst>
+                </a:gridCol>
+              </a:tblGrid>
+              <a:tr h="370840">
+                <a:tc>
+                  <a:txBody>
+                    <a:bodyPr/>
+                    <a:lstStyle/>
+                    <a:p>
+                      <a:r>
+                        <a:rPr lang="ru-RU" dirty="0" smtClean="0"/>
+                        <a:t>Бизнес-требования</a:t>
+                      </a:r>
+                      <a:endParaRPr lang="ru-RU" dirty="0"/>
+                    </a:p>
+                  </a:txBody>
+                  <a:tcPr/>
+                </a:tc>
+                <a:tc>
+                  <a:txBody>
+                    <a:bodyPr/>
+                    <a:lstStyle/>
+                    <a:p>
+                      <a:r>
+                        <a:rPr lang="ru-RU" dirty="0" smtClean="0"/>
+                        <a:t>Пользовательские требования</a:t>
+                      </a:r>
+                      <a:endParaRPr lang="ru-RU" dirty="0"/>
+                    </a:p>
+                  </a:txBody>
+                  <a:tcPr/>
+                </a:tc>
+                <a:extLst>
+                  <a:ext uri="{0D108BD9-81ED-4DB2-BD59-A6C34878D82A}">
+                    <a16:rowId xmlns:a16="http://schemas.microsoft.com/office/drawing/2014/main" val="10000"/>
+                  </a:ext>
+                </a:extLst>
+              </a:tr>
+              <a:tr h="370840">
+                <a:tc>
+                  <a:txBody>
+                    <a:bodyPr/>
+                    <a:lstStyle/>
+                    <a:p>
+                      <a:r>
+                        <a:rPr lang="ru-RU" dirty="0" smtClean="0"/>
+                        <a:t>Веб-приложение для анализа ДТП</a:t>
+                      </a:r>
+                      <a:endParaRPr lang="ru-RU" dirty="0"/>
+                    </a:p>
+                  </a:txBody>
+                  <a:tcPr/>
+                </a:tc>
+                <a:tc>
+                  <a:txBody>
+                    <a:bodyPr/>
+                    <a:lstStyle/>
+                    <a:p>
+                      <a:r>
+                        <a:rPr lang="ru-RU" dirty="0" smtClean="0"/>
+                        <a:t>При первом посещении сайта пользователю должна быть доступна главная страница с информацией о приложении и различными функциями (которые становится доступны после регистрации и входа)</a:t>
+                      </a:r>
+                      <a:endParaRPr lang="ru-RU" dirty="0"/>
+                    </a:p>
+                  </a:txBody>
+                  <a:tcPr/>
+                </a:tc>
+                <a:extLst>
+                  <a:ext uri="{0D108BD9-81ED-4DB2-BD59-A6C34878D82A}">
+                    <a16:rowId xmlns:a16="http://schemas.microsoft.com/office/drawing/2014/main" val="10001"/>
+                  </a:ext>
+                </a:extLst>
+              </a:tr>
+              <a:tr h="370840">
+                <a:tc>
+                  <a:txBody>
+                    <a:bodyPr/>
+                    <a:lstStyle/>
+                    <a:p>
+                      <a:endParaRPr lang="ru-RU"/>
+                    </a:p>
+                  </a:txBody>
+                  <a:tcPr/>
+                </a:tc>
+                <a:tc>
+                  <a:txBody>
+                    <a:bodyPr/>
+                    <a:lstStyle/>
+                    <a:p>
+                      <a:r>
+                        <a:rPr lang="ru-RU" dirty="0" smtClean="0"/>
+                        <a:t>Для авторизованного пользователя доступно: вывод анализа ДТП и графиков, добавление новостей о ДТП</a:t>
+                      </a:r>
+                      <a:endParaRPr lang="ru-RU" dirty="0"/>
+                    </a:p>
+                  </a:txBody>
+                  <a:tcPr/>
+                </a:tc>
+                <a:extLst>
+                  <a:ext uri="{0D108BD9-81ED-4DB2-BD59-A6C34878D82A}">
+                    <a16:rowId xmlns:a16="http://schemas.microsoft.com/office/drawing/2014/main" val="10002"/>
+                  </a:ext>
+                </a:extLst>
+              </a:tr>
+            </a:tbl>
+          </a:graphicData>
+        </a:graphic>
+      </p:graphicFrame>
     </p:spTree>
     <p:extLst>
       <p:ext uri="{BB962C8B-B14F-4D97-AF65-F5344CB8AC3E}">
-        <p14:creationId xmlns:p14="http://schemas.microsoft.com/office/powerpoint/2010/main" val="3537284888"/>
+        <p14:creationId xmlns:p14="http://schemas.microsoft.com/office/powerpoint/2010/main" val="3853174784"/>
       </p:ext>
     </p:extLst>
   </p:cSld>
@@ -14232,7 +14428,7 @@
           <a:p>
             <a:r>
               <a:rPr lang="ru-RU" dirty="0" smtClean="0"/>
-              <a:t>Сравнительный анализ аналогов</a:t>
+              <a:t>Нефункциональные требования</a:t>
             </a:r>
             <a:endParaRPr lang="ru-RU" dirty="0"/>
           </a:p>
@@ -14254,49 +14450,206 @@
           <a:lstStyle/>
           <a:p>
             <a:r>
+              <a:rPr lang="ru-RU" dirty="0"/>
+              <a:t>Я</a:t>
+            </a:r>
+            <a:r>
+              <a:rPr lang="ru-RU" dirty="0" smtClean="0"/>
+              <a:t>зык </a:t>
+            </a:r>
+            <a:r>
               <a:rPr lang="ru-RU" dirty="0" err="1" smtClean="0"/>
-              <a:t>Стат</a:t>
+              <a:t>Java</a:t>
+            </a:r>
+            <a:r>
+              <a:rPr lang="en-US" dirty="0" smtClean="0"/>
+              <a:t> EE 8.0</a:t>
             </a:r>
             <a:r>
               <a:rPr lang="ru-RU" dirty="0" smtClean="0"/>
-              <a:t> ГИБДД</a:t>
-            </a:r>
-          </a:p>
-          <a:p>
+              <a:t>,</a:t>
+            </a:r>
+            <a:endParaRPr lang="ru-RU" dirty="0" smtClean="0"/>
+          </a:p>
+          <a:p>
+            <a:r>
+              <a:rPr lang="en-US" dirty="0" smtClean="0"/>
+              <a:t>Web-</a:t>
+            </a:r>
             <a:r>
               <a:rPr lang="ru-RU" dirty="0" smtClean="0"/>
-              <a:t>Преимущества</a:t>
+              <a:t>приложение,</a:t>
+            </a:r>
+          </a:p>
+          <a:p>
+            <a:r>
+              <a:rPr lang="en-US" dirty="0" smtClean="0"/>
+              <a:t>Spring,</a:t>
             </a:r>
           </a:p>
           <a:p>
             <a:r>
               <a:rPr lang="ru-RU" dirty="0" smtClean="0"/>
-              <a:t>Недостатки</a:t>
+              <a:t>СУБД </a:t>
+            </a:r>
+            <a:r>
+              <a:rPr lang="en-US" dirty="0" smtClean="0"/>
+              <a:t>MySQL</a:t>
+            </a:r>
+            <a:r>
+              <a:rPr lang="ru-RU" dirty="0" smtClean="0"/>
+              <a:t>,</a:t>
+            </a:r>
+          </a:p>
+          <a:p>
+            <a:r>
+              <a:rPr lang="ru-RU" dirty="0" smtClean="0"/>
+              <a:t>Пользовательский интерфейс,</a:t>
+            </a:r>
+          </a:p>
+          <a:p>
+            <a:r>
+              <a:rPr lang="ru-RU" dirty="0" smtClean="0"/>
+              <a:t>Надежность</a:t>
+            </a:r>
+          </a:p>
+        </p:txBody>
+      </p:sp>
+    </p:spTree>
+    <p:extLst>
+      <p:ext uri="{BB962C8B-B14F-4D97-AF65-F5344CB8AC3E}">
+        <p14:creationId xmlns:p14="http://schemas.microsoft.com/office/powerpoint/2010/main" val="3537284888"/>
+      </p:ext>
+    </p:extLst>
+  </p:cSld>
+  <p:clrMapOvr>
+    <a:masterClrMapping/>
+  </p:clrMapOvr>
+</p:sld>
+</file>
+
+<file path=ppt/slides/slide8.xml><?xml version="1.0" encoding="utf-8"?>
+<p:sld xmlns:a="http://schemas.openxmlformats.org/drawingml/2006/main" xmlns:r="http://schemas.openxmlformats.org/officeDocument/2006/relationships" xmlns:p="http://schemas.openxmlformats.org/presentationml/2006/main">
+  <p:cSld>
+    <p:spTree>
+      <p:nvGrpSpPr>
+        <p:cNvPr id="1" name=""/>
+        <p:cNvGrpSpPr/>
+        <p:nvPr/>
+      </p:nvGrpSpPr>
+      <p:grpSpPr>
+        <a:xfrm>
+          <a:off x="0" y="0"/>
+          <a:ext cx="0" cy="0"/>
+          <a:chOff x="0" y="0"/>
+          <a:chExt cx="0" cy="0"/>
+        </a:xfrm>
+      </p:grpSpPr>
+      <p:sp>
+        <p:nvSpPr>
+          <p:cNvPr id="2" name="Заголовок 1"/>
+          <p:cNvSpPr>
+            <a:spLocks noGrp="1"/>
+          </p:cNvSpPr>
+          <p:nvPr>
+            <p:ph type="title"/>
+          </p:nvPr>
+        </p:nvSpPr>
+        <p:spPr/>
+        <p:txBody>
+          <a:bodyPr/>
+          <a:lstStyle/>
+          <a:p>
+            <a:r>
+              <a:rPr lang="ru-RU" dirty="0" smtClean="0"/>
+              <a:t>Сравнительный анализ аналогов</a:t>
+            </a:r>
+            <a:endParaRPr lang="ru-RU" dirty="0"/>
+          </a:p>
+        </p:txBody>
+      </p:sp>
+      <p:sp>
+        <p:nvSpPr>
+          <p:cNvPr id="3" name="Объект 2"/>
+          <p:cNvSpPr>
+            <a:spLocks noGrp="1"/>
+          </p:cNvSpPr>
+          <p:nvPr>
+            <p:ph idx="1"/>
+          </p:nvPr>
+        </p:nvSpPr>
+        <p:spPr>
+          <a:xfrm>
+            <a:off x="881149" y="3990039"/>
+            <a:ext cx="10565476" cy="2385823"/>
+          </a:xfrm>
+        </p:spPr>
+        <p:txBody>
+          <a:bodyPr>
+            <a:normAutofit fontScale="92500" lnSpcReduction="10000"/>
+          </a:bodyPr>
+          <a:lstStyle/>
+          <a:p>
+            <a:r>
+              <a:rPr lang="ru-RU" dirty="0" smtClean="0"/>
+              <a:t>Преимущества:</a:t>
             </a:r>
           </a:p>
           <a:p>
             <a:pPr marL="0" indent="0">
               <a:buNone/>
             </a:pPr>
+            <a:r>
+              <a:rPr lang="ru-RU" dirty="0" smtClean="0"/>
+              <a:t>	Большая </a:t>
+            </a:r>
+            <a:r>
+              <a:rPr lang="ru-RU" dirty="0"/>
+              <a:t>база данных о ДТП, непосредственный источник информации.</a:t>
+            </a:r>
+            <a:endParaRPr lang="ru-RU" dirty="0" smtClean="0"/>
+          </a:p>
+          <a:p>
+            <a:r>
+              <a:rPr lang="ru-RU" dirty="0" smtClean="0"/>
+              <a:t>Недостатки:</a:t>
+            </a:r>
+            <a:endParaRPr lang="ru-RU" dirty="0" smtClean="0"/>
+          </a:p>
+          <a:p>
+            <a:pPr marL="0" indent="0">
+              <a:buNone/>
+            </a:pPr>
+            <a:r>
+              <a:rPr lang="ru-RU" dirty="0" smtClean="0"/>
+              <a:t>	Обобщенные </a:t>
+            </a:r>
+            <a:r>
+              <a:rPr lang="ru-RU" dirty="0"/>
+              <a:t>сведения о ДТП, отсутствие детального анализа происшествия, ошибки в данных.</a:t>
+            </a:r>
             <a:endParaRPr lang="ru-RU" dirty="0"/>
           </a:p>
         </p:txBody>
       </p:sp>
       <p:pic>
         <p:nvPicPr>
-          <p:cNvPr id="4" name="Рисунок 3"/>
-          <p:cNvPicPr/>
+          <p:cNvPr id="8" name="Рисунок 7"/>
+          <p:cNvPicPr>
+            <a:picLocks noChangeAspect="1"/>
+          </p:cNvPicPr>
           <p:nvPr/>
         </p:nvPicPr>
-        <p:blipFill rotWithShape="1">
+        <p:blipFill>
           <a:blip r:embed="rId2"/>
-          <a:srcRect l="24159" t="31403" r="24499"/>
-          <a:stretch/>
+          <a:stretch>
+            <a:fillRect/>
+          </a:stretch>
         </p:blipFill>
         <p:spPr>
           <a:xfrm>
-            <a:off x="4742787" y="2249487"/>
-            <a:ext cx="5056306" cy="3846512"/>
+            <a:off x="1907670" y="1531822"/>
+            <a:ext cx="8376660" cy="2458217"/>
           </a:xfrm>
           <a:prstGeom prst="rect">
             <a:avLst/>
@@ -14316,7 +14669,7 @@
 </p:sld>
 </file>
 
-<file path=ppt/slides/slide8.xml><?xml version="1.0" encoding="utf-8"?>
+<file path=ppt/slides/slide9.xml><?xml version="1.0" encoding="utf-8"?>
 <p:sld xmlns:a="http://schemas.openxmlformats.org/drawingml/2006/main" xmlns:r="http://schemas.openxmlformats.org/officeDocument/2006/relationships" xmlns:p="http://schemas.openxmlformats.org/presentationml/2006/main">
   <p:cSld>
     <p:spTree>
@@ -14427,7 +14780,7 @@
         </p:nvSpPr>
         <p:spPr>
           <a:xfrm>
-            <a:off x="2524836" y="1902158"/>
+            <a:off x="3127612" y="1902158"/>
             <a:ext cx="5936776" cy="4694829"/>
           </a:xfrm>
           <a:prstGeom prst="rect">
@@ -14476,20 +14829,20 @@
           <p:nvPr>
             <p:extLst>
               <p:ext uri="{D42A27DB-BD31-4B8C-83A1-F6EECF244321}">
-                <p14:modId xmlns:p14="http://schemas.microsoft.com/office/powerpoint/2010/main" val="2133231252"/>
+                <p14:modId xmlns:p14="http://schemas.microsoft.com/office/powerpoint/2010/main" val="441290522"/>
               </p:ext>
             </p:extLst>
           </p:nvPr>
         </p:nvGraphicFramePr>
         <p:xfrm>
-          <a:off x="2555709" y="1902158"/>
+          <a:off x="3133725" y="1902158"/>
           <a:ext cx="5924550" cy="4686300"/>
         </p:xfrm>
         <a:graphic>
           <a:graphicData uri="http://schemas.openxmlformats.org/presentationml/2006/ole">
             <mc:AlternateContent xmlns:mc="http://schemas.openxmlformats.org/markup-compatibility/2006">
               <mc:Choice xmlns:v="urn:schemas-microsoft-com:vml" Requires="v">
-                <p:oleObj spid="_x0000_s1030" r:id="rId3" imgW="23717228" imgH="18745047" progId="Visio.Drawing.15">
+                <p:oleObj spid="_x0000_s1032" r:id="rId3" imgW="23717228" imgH="18745047" progId="Visio.Drawing.15">
                   <p:embed/>
                 </p:oleObj>
               </mc:Choice>
@@ -14519,7 +14872,7 @@
                     </p:blipFill>
                     <p:spPr bwMode="auto">
                       <a:xfrm>
-                        <a:off x="2555709" y="1902158"/>
+                        <a:off x="3133725" y="1902158"/>
                         <a:ext cx="5924550" cy="4686300"/>
                       </a:xfrm>
                       <a:prstGeom prst="rect">
@@ -14547,94 +14900,6 @@
     <p:extLst>
       <p:ext uri="{BB962C8B-B14F-4D97-AF65-F5344CB8AC3E}">
         <p14:creationId xmlns:p14="http://schemas.microsoft.com/office/powerpoint/2010/main" val="2000067185"/>
-      </p:ext>
-    </p:extLst>
-  </p:cSld>
-  <p:clrMapOvr>
-    <a:masterClrMapping/>
-  </p:clrMapOvr>
-</p:sld>
-</file>
-
-<file path=ppt/slides/slide9.xml><?xml version="1.0" encoding="utf-8"?>
-<p:sld xmlns:a="http://schemas.openxmlformats.org/drawingml/2006/main" xmlns:r="http://schemas.openxmlformats.org/officeDocument/2006/relationships" xmlns:p="http://schemas.openxmlformats.org/presentationml/2006/main">
-  <p:cSld>
-    <p:spTree>
-      <p:nvGrpSpPr>
-        <p:cNvPr id="1" name=""/>
-        <p:cNvGrpSpPr/>
-        <p:nvPr/>
-      </p:nvGrpSpPr>
-      <p:grpSpPr>
-        <a:xfrm>
-          <a:off x="0" y="0"/>
-          <a:ext cx="0" cy="0"/>
-          <a:chOff x="0" y="0"/>
-          <a:chExt cx="0" cy="0"/>
-        </a:xfrm>
-      </p:grpSpPr>
-      <p:sp>
-        <p:nvSpPr>
-          <p:cNvPr id="2" name="Заголовок 1"/>
-          <p:cNvSpPr>
-            <a:spLocks noGrp="1"/>
-          </p:cNvSpPr>
-          <p:nvPr>
-            <p:ph type="title"/>
-          </p:nvPr>
-        </p:nvSpPr>
-        <p:spPr/>
-        <p:txBody>
-          <a:bodyPr/>
-          <a:lstStyle/>
-          <a:p>
-            <a:r>
-              <a:rPr lang="ru-RU" dirty="0" smtClean="0"/>
-              <a:t>Функции системы</a:t>
-            </a:r>
-            <a:endParaRPr lang="ru-RU" dirty="0"/>
-          </a:p>
-        </p:txBody>
-      </p:sp>
-      <p:sp>
-        <p:nvSpPr>
-          <p:cNvPr id="3" name="Объект 2"/>
-          <p:cNvSpPr>
-            <a:spLocks noGrp="1"/>
-          </p:cNvSpPr>
-          <p:nvPr>
-            <p:ph idx="1"/>
-          </p:nvPr>
-        </p:nvSpPr>
-        <p:spPr/>
-        <p:txBody>
-          <a:bodyPr/>
-          <a:lstStyle/>
-          <a:p>
-            <a:r>
-              <a:rPr lang="ru-RU" dirty="0" smtClean="0"/>
-              <a:t>Авторизация</a:t>
-            </a:r>
-          </a:p>
-          <a:p>
-            <a:r>
-              <a:rPr lang="ru-RU" dirty="0" smtClean="0"/>
-              <a:t>Регистрация</a:t>
-            </a:r>
-          </a:p>
-          <a:p>
-            <a:r>
-              <a:rPr lang="ru-RU" dirty="0" smtClean="0"/>
-              <a:t>Просмотр новостей</a:t>
-            </a:r>
-            <a:endParaRPr lang="ru-RU" dirty="0"/>
-          </a:p>
-        </p:txBody>
-      </p:sp>
-    </p:spTree>
-    <p:extLst>
-      <p:ext uri="{BB962C8B-B14F-4D97-AF65-F5344CB8AC3E}">
-        <p14:creationId xmlns:p14="http://schemas.microsoft.com/office/powerpoint/2010/main" val="3127279019"/>
       </p:ext>
     </p:extLst>
   </p:cSld>

--- a/Course-Project/Car Crash Today End.pptx
+++ b/Course-Project/Car Crash Today End.pptx
@@ -19,8 +19,9 @@
     <p:sldId id="267" r:id="rId13"/>
     <p:sldId id="268" r:id="rId14"/>
     <p:sldId id="269" r:id="rId15"/>
-    <p:sldId id="270" r:id="rId16"/>
-    <p:sldId id="271" r:id="rId17"/>
+    <p:sldId id="273" r:id="rId16"/>
+    <p:sldId id="270" r:id="rId17"/>
+    <p:sldId id="271" r:id="rId18"/>
   </p:sldIdLst>
   <p:sldSz cx="12192000" cy="6858000"/>
   <p:notesSz cx="6858000" cy="9144000"/>
@@ -184,7 +185,7 @@
           <a:noFill/>
           <a:extLst>
             <a:ext uri="{909E8E84-426E-40dd-AFC4-6F175D3DCCD1}">
-              <a14:hiddenFill xmlns="" xmlns:a14="http://schemas.microsoft.com/office/drawing/2010/main">
+              <a14:hiddenFill xmlns:a14="http://schemas.microsoft.com/office/drawing/2010/main" xmlns="">
                 <a:solidFill>
                   <a:srgbClr val="FFFFFF"/>
                 </a:solidFill>
@@ -243,7 +244,7 @@
             </a:ln>
             <a:extLst>
               <a:ext uri="{91240B29-F687-4f45-9708-019B960494DF}">
-                <a14:hiddenLine xmlns="" xmlns:a14="http://schemas.microsoft.com/office/drawing/2010/main" w="9525">
+                <a14:hiddenLine xmlns:a14="http://schemas.microsoft.com/office/drawing/2010/main" xmlns="" w="9525">
                   <a:solidFill>
                     <a:srgbClr val="000000"/>
                   </a:solidFill>
@@ -333,7 +334,7 @@
             </a:ln>
             <a:extLst>
               <a:ext uri="{91240B29-F687-4f45-9708-019B960494DF}">
-                <a14:hiddenLine xmlns="" xmlns:a14="http://schemas.microsoft.com/office/drawing/2010/main" w="9525">
+                <a14:hiddenLine xmlns:a14="http://schemas.microsoft.com/office/drawing/2010/main" xmlns="" w="9525">
                   <a:solidFill>
                     <a:srgbClr val="000000"/>
                   </a:solidFill>
@@ -423,7 +424,7 @@
             </a:ln>
             <a:extLst>
               <a:ext uri="{91240B29-F687-4f45-9708-019B960494DF}">
-                <a14:hiddenLine xmlns="" xmlns:a14="http://schemas.microsoft.com/office/drawing/2010/main" w="9525">
+                <a14:hiddenLine xmlns:a14="http://schemas.microsoft.com/office/drawing/2010/main" xmlns="" w="9525">
                   <a:solidFill>
                     <a:srgbClr val="000000"/>
                   </a:solidFill>
@@ -457,7 +458,7 @@
             </a:ln>
             <a:extLst>
               <a:ext uri="{91240B29-F687-4f45-9708-019B960494DF}">
-                <a14:hiddenLine xmlns="" xmlns:a14="http://schemas.microsoft.com/office/drawing/2010/main" w="9525">
+                <a14:hiddenLine xmlns:a14="http://schemas.microsoft.com/office/drawing/2010/main" xmlns="" w="9525">
                   <a:solidFill>
                     <a:srgbClr val="000000"/>
                   </a:solidFill>
@@ -547,7 +548,7 @@
             </a:ln>
             <a:extLst>
               <a:ext uri="{91240B29-F687-4f45-9708-019B960494DF}">
-                <a14:hiddenLine xmlns="" xmlns:a14="http://schemas.microsoft.com/office/drawing/2010/main" w="9525">
+                <a14:hiddenLine xmlns:a14="http://schemas.microsoft.com/office/drawing/2010/main" xmlns="" w="9525">
                   <a:solidFill>
                     <a:srgbClr val="000000"/>
                   </a:solidFill>
@@ -609,7 +610,7 @@
             </a:ln>
             <a:extLst>
               <a:ext uri="{91240B29-F687-4f45-9708-019B960494DF}">
-                <a14:hiddenLine xmlns="" xmlns:a14="http://schemas.microsoft.com/office/drawing/2010/main" w="9525">
+                <a14:hiddenLine xmlns:a14="http://schemas.microsoft.com/office/drawing/2010/main" xmlns="" w="9525">
                   <a:solidFill>
                     <a:srgbClr val="000000"/>
                   </a:solidFill>
@@ -671,7 +672,7 @@
             </a:ln>
             <a:extLst>
               <a:ext uri="{91240B29-F687-4f45-9708-019B960494DF}">
-                <a14:hiddenLine xmlns="" xmlns:a14="http://schemas.microsoft.com/office/drawing/2010/main" w="9525">
+                <a14:hiddenLine xmlns:a14="http://schemas.microsoft.com/office/drawing/2010/main" xmlns="" w="9525">
                   <a:solidFill>
                     <a:srgbClr val="000000"/>
                   </a:solidFill>
@@ -761,7 +762,7 @@
             </a:ln>
             <a:extLst>
               <a:ext uri="{91240B29-F687-4f45-9708-019B960494DF}">
-                <a14:hiddenLine xmlns="" xmlns:a14="http://schemas.microsoft.com/office/drawing/2010/main" w="9525">
+                <a14:hiddenLine xmlns:a14="http://schemas.microsoft.com/office/drawing/2010/main" xmlns="" w="9525">
                   <a:solidFill>
                     <a:srgbClr val="000000"/>
                   </a:solidFill>
@@ -823,7 +824,7 @@
             </a:ln>
             <a:extLst>
               <a:ext uri="{91240B29-F687-4f45-9708-019B960494DF}">
-                <a14:hiddenLine xmlns="" xmlns:a14="http://schemas.microsoft.com/office/drawing/2010/main" w="9525">
+                <a14:hiddenLine xmlns:a14="http://schemas.microsoft.com/office/drawing/2010/main" xmlns="" w="9525">
                   <a:solidFill>
                     <a:srgbClr val="000000"/>
                   </a:solidFill>
@@ -885,7 +886,7 @@
             </a:ln>
             <a:extLst>
               <a:ext uri="{91240B29-F687-4f45-9708-019B960494DF}">
-                <a14:hiddenLine xmlns="" xmlns:a14="http://schemas.microsoft.com/office/drawing/2010/main" w="9525">
+                <a14:hiddenLine xmlns:a14="http://schemas.microsoft.com/office/drawing/2010/main" xmlns="" w="9525">
                   <a:solidFill>
                     <a:srgbClr val="000000"/>
                   </a:solidFill>
@@ -975,7 +976,7 @@
             </a:ln>
             <a:extLst>
               <a:ext uri="{91240B29-F687-4f45-9708-019B960494DF}">
-                <a14:hiddenLine xmlns="" xmlns:a14="http://schemas.microsoft.com/office/drawing/2010/main" w="9525">
+                <a14:hiddenLine xmlns:a14="http://schemas.microsoft.com/office/drawing/2010/main" xmlns="" w="9525">
                   <a:solidFill>
                     <a:srgbClr val="000000"/>
                   </a:solidFill>
@@ -1065,7 +1066,7 @@
             </a:ln>
             <a:extLst>
               <a:ext uri="{91240B29-F687-4f45-9708-019B960494DF}">
-                <a14:hiddenLine xmlns="" xmlns:a14="http://schemas.microsoft.com/office/drawing/2010/main" w="9525">
+                <a14:hiddenLine xmlns:a14="http://schemas.microsoft.com/office/drawing/2010/main" xmlns="" w="9525">
                   <a:solidFill>
                     <a:srgbClr val="000000"/>
                   </a:solidFill>
@@ -1127,7 +1128,7 @@
             </a:ln>
             <a:extLst>
               <a:ext uri="{91240B29-F687-4f45-9708-019B960494DF}">
-                <a14:hiddenLine xmlns="" xmlns:a14="http://schemas.microsoft.com/office/drawing/2010/main" w="9525">
+                <a14:hiddenLine xmlns:a14="http://schemas.microsoft.com/office/drawing/2010/main" xmlns="" w="9525">
                   <a:solidFill>
                     <a:srgbClr val="000000"/>
                   </a:solidFill>
@@ -1237,7 +1238,7 @@
             </a:ln>
             <a:extLst>
               <a:ext uri="{91240B29-F687-4f45-9708-019B960494DF}">
-                <a14:hiddenLine xmlns="" xmlns:a14="http://schemas.microsoft.com/office/drawing/2010/main" w="9525">
+                <a14:hiddenLine xmlns:a14="http://schemas.microsoft.com/office/drawing/2010/main" xmlns="" w="9525">
                   <a:solidFill>
                     <a:srgbClr val="000000"/>
                   </a:solidFill>
@@ -1299,7 +1300,7 @@
             </a:ln>
             <a:extLst>
               <a:ext uri="{91240B29-F687-4f45-9708-019B960494DF}">
-                <a14:hiddenLine xmlns="" xmlns:a14="http://schemas.microsoft.com/office/drawing/2010/main" w="9525">
+                <a14:hiddenLine xmlns:a14="http://schemas.microsoft.com/office/drawing/2010/main" xmlns="" w="9525">
                   <a:solidFill>
                     <a:srgbClr val="000000"/>
                   </a:solidFill>
@@ -1389,7 +1390,7 @@
             </a:ln>
             <a:extLst>
               <a:ext uri="{91240B29-F687-4f45-9708-019B960494DF}">
-                <a14:hiddenLine xmlns="" xmlns:a14="http://schemas.microsoft.com/office/drawing/2010/main" w="9525">
+                <a14:hiddenLine xmlns:a14="http://schemas.microsoft.com/office/drawing/2010/main" xmlns="" w="9525">
                   <a:solidFill>
                     <a:srgbClr val="000000"/>
                   </a:solidFill>
@@ -1479,7 +1480,7 @@
             </a:ln>
             <a:extLst>
               <a:ext uri="{91240B29-F687-4f45-9708-019B960494DF}">
-                <a14:hiddenLine xmlns="" xmlns:a14="http://schemas.microsoft.com/office/drawing/2010/main" w="9525">
+                <a14:hiddenLine xmlns:a14="http://schemas.microsoft.com/office/drawing/2010/main" xmlns="" w="9525">
                   <a:solidFill>
                     <a:srgbClr val="000000"/>
                   </a:solidFill>
@@ -1541,7 +1542,7 @@
             </a:ln>
             <a:extLst>
               <a:ext uri="{91240B29-F687-4f45-9708-019B960494DF}">
-                <a14:hiddenLine xmlns="" xmlns:a14="http://schemas.microsoft.com/office/drawing/2010/main" w="9525">
+                <a14:hiddenLine xmlns:a14="http://schemas.microsoft.com/office/drawing/2010/main" xmlns="" w="9525">
                   <a:solidFill>
                     <a:srgbClr val="000000"/>
                   </a:solidFill>
@@ -1631,7 +1632,7 @@
             </a:ln>
             <a:extLst>
               <a:ext uri="{91240B29-F687-4f45-9708-019B960494DF}">
-                <a14:hiddenLine xmlns="" xmlns:a14="http://schemas.microsoft.com/office/drawing/2010/main" w="9525">
+                <a14:hiddenLine xmlns:a14="http://schemas.microsoft.com/office/drawing/2010/main" xmlns="" w="9525">
                   <a:solidFill>
                     <a:srgbClr val="000000"/>
                   </a:solidFill>
@@ -1721,7 +1722,7 @@
             </a:ln>
             <a:extLst>
               <a:ext uri="{91240B29-F687-4f45-9708-019B960494DF}">
-                <a14:hiddenLine xmlns="" xmlns:a14="http://schemas.microsoft.com/office/drawing/2010/main" w="9525">
+                <a14:hiddenLine xmlns:a14="http://schemas.microsoft.com/office/drawing/2010/main" xmlns="" w="9525">
                   <a:solidFill>
                     <a:srgbClr val="000000"/>
                   </a:solidFill>
@@ -1777,7 +1778,7 @@
             </a:ln>
             <a:extLst>
               <a:ext uri="{91240B29-F687-4f45-9708-019B960494DF}">
-                <a14:hiddenLine xmlns="" xmlns:a14="http://schemas.microsoft.com/office/drawing/2010/main" w="9525">
+                <a14:hiddenLine xmlns:a14="http://schemas.microsoft.com/office/drawing/2010/main" xmlns="" w="9525">
                   <a:solidFill>
                     <a:srgbClr val="000000"/>
                   </a:solidFill>
@@ -1867,7 +1868,7 @@
             </a:ln>
             <a:extLst>
               <a:ext uri="{91240B29-F687-4f45-9708-019B960494DF}">
-                <a14:hiddenLine xmlns="" xmlns:a14="http://schemas.microsoft.com/office/drawing/2010/main" w="9525">
+                <a14:hiddenLine xmlns:a14="http://schemas.microsoft.com/office/drawing/2010/main" xmlns="" w="9525">
                   <a:solidFill>
                     <a:srgbClr val="000000"/>
                   </a:solidFill>
@@ -1923,7 +1924,7 @@
             </a:ln>
             <a:extLst>
               <a:ext uri="{91240B29-F687-4f45-9708-019B960494DF}">
-                <a14:hiddenLine xmlns="" xmlns:a14="http://schemas.microsoft.com/office/drawing/2010/main" w="9525">
+                <a14:hiddenLine xmlns:a14="http://schemas.microsoft.com/office/drawing/2010/main" xmlns="" w="9525">
                   <a:solidFill>
                     <a:srgbClr val="000000"/>
                   </a:solidFill>
@@ -2013,7 +2014,7 @@
             </a:ln>
             <a:extLst>
               <a:ext uri="{91240B29-F687-4f45-9708-019B960494DF}">
-                <a14:hiddenLine xmlns="" xmlns:a14="http://schemas.microsoft.com/office/drawing/2010/main" w="9525">
+                <a14:hiddenLine xmlns:a14="http://schemas.microsoft.com/office/drawing/2010/main" xmlns="" w="9525">
                   <a:solidFill>
                     <a:srgbClr val="000000"/>
                   </a:solidFill>
@@ -2081,7 +2082,7 @@
             </a:ln>
             <a:extLst>
               <a:ext uri="{91240B29-F687-4f45-9708-019B960494DF}">
-                <a14:hiddenLine xmlns="" xmlns:a14="http://schemas.microsoft.com/office/drawing/2010/main" w="9525">
+                <a14:hiddenLine xmlns:a14="http://schemas.microsoft.com/office/drawing/2010/main" xmlns="" w="9525">
                   <a:solidFill>
                     <a:srgbClr val="000000"/>
                   </a:solidFill>
@@ -2171,7 +2172,7 @@
             </a:ln>
             <a:extLst>
               <a:ext uri="{91240B29-F687-4f45-9708-019B960494DF}">
-                <a14:hiddenLine xmlns="" xmlns:a14="http://schemas.microsoft.com/office/drawing/2010/main" w="9525">
+                <a14:hiddenLine xmlns:a14="http://schemas.microsoft.com/office/drawing/2010/main" xmlns="" w="9525">
                   <a:solidFill>
                     <a:srgbClr val="000000"/>
                   </a:solidFill>
@@ -2239,7 +2240,7 @@
             </a:ln>
             <a:extLst>
               <a:ext uri="{91240B29-F687-4f45-9708-019B960494DF}">
-                <a14:hiddenLine xmlns="" xmlns:a14="http://schemas.microsoft.com/office/drawing/2010/main" w="9525">
+                <a14:hiddenLine xmlns:a14="http://schemas.microsoft.com/office/drawing/2010/main" xmlns="" w="9525">
                   <a:solidFill>
                     <a:srgbClr val="000000"/>
                   </a:solidFill>
@@ -2329,7 +2330,7 @@
             </a:ln>
             <a:extLst>
               <a:ext uri="{91240B29-F687-4f45-9708-019B960494DF}">
-                <a14:hiddenLine xmlns="" xmlns:a14="http://schemas.microsoft.com/office/drawing/2010/main" w="9525">
+                <a14:hiddenLine xmlns:a14="http://schemas.microsoft.com/office/drawing/2010/main" xmlns="" w="9525">
                   <a:solidFill>
                     <a:srgbClr val="000000"/>
                   </a:solidFill>
@@ -2363,7 +2364,7 @@
             </a:ln>
             <a:extLst>
               <a:ext uri="{91240B29-F687-4f45-9708-019B960494DF}">
-                <a14:hiddenLine xmlns="" xmlns:a14="http://schemas.microsoft.com/office/drawing/2010/main" w="9525">
+                <a14:hiddenLine xmlns:a14="http://schemas.microsoft.com/office/drawing/2010/main" xmlns="" w="9525">
                   <a:solidFill>
                     <a:srgbClr val="000000"/>
                   </a:solidFill>
@@ -2453,7 +2454,7 @@
             </a:ln>
             <a:extLst>
               <a:ext uri="{91240B29-F687-4f45-9708-019B960494DF}">
-                <a14:hiddenLine xmlns="" xmlns:a14="http://schemas.microsoft.com/office/drawing/2010/main" w="9525">
+                <a14:hiddenLine xmlns:a14="http://schemas.microsoft.com/office/drawing/2010/main" xmlns="" w="9525">
                   <a:solidFill>
                     <a:srgbClr val="000000"/>
                   </a:solidFill>
@@ -2515,7 +2516,7 @@
             </a:ln>
             <a:extLst>
               <a:ext uri="{91240B29-F687-4f45-9708-019B960494DF}">
-                <a14:hiddenLine xmlns="" xmlns:a14="http://schemas.microsoft.com/office/drawing/2010/main" w="9525">
+                <a14:hiddenLine xmlns:a14="http://schemas.microsoft.com/office/drawing/2010/main" xmlns="" w="9525">
                   <a:solidFill>
                     <a:srgbClr val="000000"/>
                   </a:solidFill>
@@ -2577,7 +2578,7 @@
             </a:ln>
             <a:extLst>
               <a:ext uri="{91240B29-F687-4f45-9708-019B960494DF}">
-                <a14:hiddenLine xmlns="" xmlns:a14="http://schemas.microsoft.com/office/drawing/2010/main" w="9525">
+                <a14:hiddenLine xmlns:a14="http://schemas.microsoft.com/office/drawing/2010/main" xmlns="" w="9525">
                   <a:solidFill>
                     <a:srgbClr val="000000"/>
                   </a:solidFill>
@@ -2667,7 +2668,7 @@
             </a:ln>
             <a:extLst>
               <a:ext uri="{91240B29-F687-4f45-9708-019B960494DF}">
-                <a14:hiddenLine xmlns="" xmlns:a14="http://schemas.microsoft.com/office/drawing/2010/main" w="9525">
+                <a14:hiddenLine xmlns:a14="http://schemas.microsoft.com/office/drawing/2010/main" xmlns="" w="9525">
                   <a:solidFill>
                     <a:srgbClr val="000000"/>
                   </a:solidFill>
@@ -2735,7 +2736,7 @@
             </a:ln>
             <a:extLst>
               <a:ext uri="{91240B29-F687-4f45-9708-019B960494DF}">
-                <a14:hiddenLine xmlns="" xmlns:a14="http://schemas.microsoft.com/office/drawing/2010/main" w="9525">
+                <a14:hiddenLine xmlns:a14="http://schemas.microsoft.com/office/drawing/2010/main" xmlns="" w="9525">
                   <a:solidFill>
                     <a:srgbClr val="000000"/>
                   </a:solidFill>
@@ -2797,7 +2798,7 @@
             </a:ln>
             <a:extLst>
               <a:ext uri="{91240B29-F687-4f45-9708-019B960494DF}">
-                <a14:hiddenLine xmlns="" xmlns:a14="http://schemas.microsoft.com/office/drawing/2010/main" w="9525">
+                <a14:hiddenLine xmlns:a14="http://schemas.microsoft.com/office/drawing/2010/main" xmlns="" w="9525">
                   <a:solidFill>
                     <a:srgbClr val="000000"/>
                   </a:solidFill>
@@ -2887,7 +2888,7 @@
             </a:ln>
             <a:extLst>
               <a:ext uri="{91240B29-F687-4f45-9708-019B960494DF}">
-                <a14:hiddenLine xmlns="" xmlns:a14="http://schemas.microsoft.com/office/drawing/2010/main" w="9525">
+                <a14:hiddenLine xmlns:a14="http://schemas.microsoft.com/office/drawing/2010/main" xmlns="" w="9525">
                   <a:solidFill>
                     <a:srgbClr val="000000"/>
                   </a:solidFill>
@@ -2949,7 +2950,7 @@
             </a:ln>
             <a:extLst>
               <a:ext uri="{91240B29-F687-4f45-9708-019B960494DF}">
-                <a14:hiddenLine xmlns="" xmlns:a14="http://schemas.microsoft.com/office/drawing/2010/main" w="9525">
+                <a14:hiddenLine xmlns:a14="http://schemas.microsoft.com/office/drawing/2010/main" xmlns="" w="9525">
                   <a:solidFill>
                     <a:srgbClr val="000000"/>
                   </a:solidFill>
@@ -3039,7 +3040,7 @@
             </a:ln>
             <a:extLst>
               <a:ext uri="{91240B29-F687-4f45-9708-019B960494DF}">
-                <a14:hiddenLine xmlns="" xmlns:a14="http://schemas.microsoft.com/office/drawing/2010/main" w="9525">
+                <a14:hiddenLine xmlns:a14="http://schemas.microsoft.com/office/drawing/2010/main" xmlns="" w="9525">
                   <a:solidFill>
                     <a:srgbClr val="000000"/>
                   </a:solidFill>
@@ -3101,7 +3102,7 @@
             </a:ln>
             <a:extLst>
               <a:ext uri="{91240B29-F687-4f45-9708-019B960494DF}">
-                <a14:hiddenLine xmlns="" xmlns:a14="http://schemas.microsoft.com/office/drawing/2010/main" w="9525">
+                <a14:hiddenLine xmlns:a14="http://schemas.microsoft.com/office/drawing/2010/main" xmlns="" w="9525">
                   <a:solidFill>
                     <a:srgbClr val="000000"/>
                   </a:solidFill>
@@ -3191,7 +3192,7 @@
             </a:ln>
             <a:extLst>
               <a:ext uri="{91240B29-F687-4f45-9708-019B960494DF}">
-                <a14:hiddenLine xmlns="" xmlns:a14="http://schemas.microsoft.com/office/drawing/2010/main" w="9525">
+                <a14:hiddenLine xmlns:a14="http://schemas.microsoft.com/office/drawing/2010/main" xmlns="" w="9525">
                   <a:solidFill>
                     <a:srgbClr val="000000"/>
                   </a:solidFill>
@@ -3225,7 +3226,7 @@
             </a:ln>
             <a:extLst>
               <a:ext uri="{91240B29-F687-4f45-9708-019B960494DF}">
-                <a14:hiddenLine xmlns="" xmlns:a14="http://schemas.microsoft.com/office/drawing/2010/main" w="9525">
+                <a14:hiddenLine xmlns:a14="http://schemas.microsoft.com/office/drawing/2010/main" xmlns="" w="9525">
                   <a:solidFill>
                     <a:srgbClr val="000000"/>
                   </a:solidFill>
@@ -3290,7 +3291,7 @@
             </a:ln>
             <a:extLst>
               <a:ext uri="{91240B29-F687-4f45-9708-019B960494DF}">
-                <a14:hiddenLine xmlns="" xmlns:a14="http://schemas.microsoft.com/office/drawing/2010/main" w="9525">
+                <a14:hiddenLine xmlns:a14="http://schemas.microsoft.com/office/drawing/2010/main" xmlns="" w="9525">
                   <a:solidFill>
                     <a:srgbClr val="000000"/>
                   </a:solidFill>
@@ -3380,7 +3381,7 @@
             </a:ln>
             <a:extLst>
               <a:ext uri="{91240B29-F687-4f45-9708-019B960494DF}">
-                <a14:hiddenLine xmlns="" xmlns:a14="http://schemas.microsoft.com/office/drawing/2010/main" w="9525">
+                <a14:hiddenLine xmlns:a14="http://schemas.microsoft.com/office/drawing/2010/main" xmlns="" w="9525">
                   <a:solidFill>
                     <a:srgbClr val="000000"/>
                   </a:solidFill>
@@ -3442,7 +3443,7 @@
             </a:ln>
             <a:extLst>
               <a:ext uri="{91240B29-F687-4f45-9708-019B960494DF}">
-                <a14:hiddenLine xmlns="" xmlns:a14="http://schemas.microsoft.com/office/drawing/2010/main" w="9525">
+                <a14:hiddenLine xmlns:a14="http://schemas.microsoft.com/office/drawing/2010/main" xmlns="" w="9525">
                   <a:solidFill>
                     <a:srgbClr val="000000"/>
                   </a:solidFill>
@@ -3532,7 +3533,7 @@
             </a:ln>
             <a:extLst>
               <a:ext uri="{91240B29-F687-4f45-9708-019B960494DF}">
-                <a14:hiddenLine xmlns="" xmlns:a14="http://schemas.microsoft.com/office/drawing/2010/main" w="9525">
+                <a14:hiddenLine xmlns:a14="http://schemas.microsoft.com/office/drawing/2010/main" xmlns="" w="9525">
                   <a:solidFill>
                     <a:srgbClr val="000000"/>
                   </a:solidFill>
@@ -3622,7 +3623,7 @@
             </a:ln>
             <a:extLst>
               <a:ext uri="{91240B29-F687-4f45-9708-019B960494DF}">
-                <a14:hiddenLine xmlns="" xmlns:a14="http://schemas.microsoft.com/office/drawing/2010/main" w="9525">
+                <a14:hiddenLine xmlns:a14="http://schemas.microsoft.com/office/drawing/2010/main" xmlns="" w="9525">
                   <a:solidFill>
                     <a:srgbClr val="000000"/>
                   </a:solidFill>
@@ -3687,7 +3688,7 @@
             </a:ln>
             <a:extLst>
               <a:ext uri="{91240B29-F687-4f45-9708-019B960494DF}">
-                <a14:hiddenLine xmlns="" xmlns:a14="http://schemas.microsoft.com/office/drawing/2010/main" w="9525">
+                <a14:hiddenLine xmlns:a14="http://schemas.microsoft.com/office/drawing/2010/main" xmlns="" w="9525">
                   <a:solidFill>
                     <a:srgbClr val="000000"/>
                   </a:solidFill>
@@ -3749,7 +3750,7 @@
             </a:ln>
             <a:extLst>
               <a:ext uri="{91240B29-F687-4f45-9708-019B960494DF}">
-                <a14:hiddenLine xmlns="" xmlns:a14="http://schemas.microsoft.com/office/drawing/2010/main" w="9525">
+                <a14:hiddenLine xmlns:a14="http://schemas.microsoft.com/office/drawing/2010/main" xmlns="" w="9525">
                   <a:solidFill>
                     <a:srgbClr val="000000"/>
                   </a:solidFill>
@@ -3839,7 +3840,7 @@
             </a:ln>
             <a:extLst>
               <a:ext uri="{91240B29-F687-4f45-9708-019B960494DF}">
-                <a14:hiddenLine xmlns="" xmlns:a14="http://schemas.microsoft.com/office/drawing/2010/main" w="9525">
+                <a14:hiddenLine xmlns:a14="http://schemas.microsoft.com/office/drawing/2010/main" xmlns="" w="9525">
                   <a:solidFill>
                     <a:srgbClr val="000000"/>
                   </a:solidFill>
@@ -3929,7 +3930,7 @@
             </a:ln>
             <a:extLst>
               <a:ext uri="{91240B29-F687-4f45-9708-019B960494DF}">
-                <a14:hiddenLine xmlns="" xmlns:a14="http://schemas.microsoft.com/office/drawing/2010/main" w="9525">
+                <a14:hiddenLine xmlns:a14="http://schemas.microsoft.com/office/drawing/2010/main" xmlns="" w="9525">
                   <a:solidFill>
                     <a:srgbClr val="000000"/>
                   </a:solidFill>
@@ -3991,7 +3992,7 @@
             </a:ln>
             <a:extLst>
               <a:ext uri="{91240B29-F687-4f45-9708-019B960494DF}">
-                <a14:hiddenLine xmlns="" xmlns:a14="http://schemas.microsoft.com/office/drawing/2010/main" w="9525">
+                <a14:hiddenLine xmlns:a14="http://schemas.microsoft.com/office/drawing/2010/main" xmlns="" w="9525">
                   <a:solidFill>
                     <a:srgbClr val="000000"/>
                   </a:solidFill>
@@ -4111,7 +4112,7 @@
             </a:ln>
             <a:extLst>
               <a:ext uri="{91240B29-F687-4f45-9708-019B960494DF}">
-                <a14:hiddenLine xmlns="" xmlns:a14="http://schemas.microsoft.com/office/drawing/2010/main" w="9525">
+                <a14:hiddenLine xmlns:a14="http://schemas.microsoft.com/office/drawing/2010/main" xmlns="" w="9525">
                   <a:solidFill>
                     <a:srgbClr val="000000"/>
                   </a:solidFill>
@@ -4179,7 +4180,7 @@
             </a:ln>
             <a:extLst>
               <a:ext uri="{91240B29-F687-4f45-9708-019B960494DF}">
-                <a14:hiddenLine xmlns="" xmlns:a14="http://schemas.microsoft.com/office/drawing/2010/main" w="9525">
+                <a14:hiddenLine xmlns:a14="http://schemas.microsoft.com/office/drawing/2010/main" xmlns="" w="9525">
                   <a:solidFill>
                     <a:srgbClr val="000000"/>
                   </a:solidFill>
@@ -4269,7 +4270,7 @@
             </a:ln>
             <a:extLst>
               <a:ext uri="{91240B29-F687-4f45-9708-019B960494DF}">
-                <a14:hiddenLine xmlns="" xmlns:a14="http://schemas.microsoft.com/office/drawing/2010/main" w="9525">
+                <a14:hiddenLine xmlns:a14="http://schemas.microsoft.com/office/drawing/2010/main" xmlns="" w="9525">
                   <a:solidFill>
                     <a:srgbClr val="000000"/>
                   </a:solidFill>
@@ -4409,7 +4410,7 @@
           <a:p>
             <a:fld id="{48A87A34-81AB-432B-8DAE-1953F412C126}" type="datetimeFigureOut">
               <a:rPr lang="en-US" dirty="0"/>
-              <a:t>12/2/2018</a:t>
+              <a:t>12/3/2018</a:t>
             </a:fld>
             <a:endParaRPr lang="en-US" dirty="0"/>
           </a:p>
@@ -4671,7 +4672,7 @@
           <a:p>
             <a:fld id="{48A87A34-81AB-432B-8DAE-1953F412C126}" type="datetimeFigureOut">
               <a:rPr lang="en-US" dirty="0"/>
-              <a:t>12/2/2018</a:t>
+              <a:t>12/3/2018</a:t>
             </a:fld>
             <a:endParaRPr lang="en-US" dirty="0"/>
           </a:p>
@@ -4862,7 +4863,7 @@
           <a:p>
             <a:fld id="{48A87A34-81AB-432B-8DAE-1953F412C126}" type="datetimeFigureOut">
               <a:rPr lang="en-US" dirty="0"/>
-              <a:t>12/2/2018</a:t>
+              <a:t>12/3/2018</a:t>
             </a:fld>
             <a:endParaRPr lang="en-US" dirty="0"/>
           </a:p>
@@ -5120,7 +5121,7 @@
           <a:p>
             <a:fld id="{48A87A34-81AB-432B-8DAE-1953F412C126}" type="datetimeFigureOut">
               <a:rPr lang="en-US" dirty="0"/>
-              <a:t>12/2/2018</a:t>
+              <a:t>12/3/2018</a:t>
             </a:fld>
             <a:endParaRPr lang="en-US" dirty="0"/>
           </a:p>
@@ -5549,7 +5550,7 @@
           <a:p>
             <a:fld id="{48A87A34-81AB-432B-8DAE-1953F412C126}" type="datetimeFigureOut">
               <a:rPr lang="en-US" dirty="0"/>
-              <a:t>12/2/2018</a:t>
+              <a:t>12/3/2018</a:t>
             </a:fld>
             <a:endParaRPr lang="en-US" dirty="0"/>
           </a:p>
@@ -6090,7 +6091,7 @@
           <a:p>
             <a:fld id="{48A87A34-81AB-432B-8DAE-1953F412C126}" type="datetimeFigureOut">
               <a:rPr lang="en-US" dirty="0"/>
-              <a:t>12/2/2018</a:t>
+              <a:t>12/3/2018</a:t>
             </a:fld>
             <a:endParaRPr lang="en-US" dirty="0"/>
           </a:p>
@@ -6805,7 +6806,7 @@
           <a:p>
             <a:fld id="{48A87A34-81AB-432B-8DAE-1953F412C126}" type="datetimeFigureOut">
               <a:rPr lang="en-US" dirty="0"/>
-              <a:t>12/2/2018</a:t>
+              <a:t>12/3/2018</a:t>
             </a:fld>
             <a:endParaRPr lang="en-US" dirty="0"/>
           </a:p>
@@ -6970,7 +6971,7 @@
           <a:p>
             <a:fld id="{48A87A34-81AB-432B-8DAE-1953F412C126}" type="datetimeFigureOut">
               <a:rPr lang="en-US" dirty="0"/>
-              <a:t>12/2/2018</a:t>
+              <a:t>12/3/2018</a:t>
             </a:fld>
             <a:endParaRPr lang="en-US" dirty="0"/>
           </a:p>
@@ -7145,7 +7146,7 @@
           <a:p>
             <a:fld id="{48A87A34-81AB-432B-8DAE-1953F412C126}" type="datetimeFigureOut">
               <a:rPr lang="en-US" dirty="0"/>
-              <a:t>12/2/2018</a:t>
+              <a:t>12/3/2018</a:t>
             </a:fld>
             <a:endParaRPr lang="en-US" dirty="0"/>
           </a:p>
@@ -7310,7 +7311,7 @@
           <a:p>
             <a:fld id="{48A87A34-81AB-432B-8DAE-1953F412C126}" type="datetimeFigureOut">
               <a:rPr lang="en-US" dirty="0"/>
-              <a:t>12/2/2018</a:t>
+              <a:t>12/3/2018</a:t>
             </a:fld>
             <a:endParaRPr lang="en-US" dirty="0"/>
           </a:p>
@@ -7555,7 +7556,7 @@
           <a:p>
             <a:fld id="{48A87A34-81AB-432B-8DAE-1953F412C126}" type="datetimeFigureOut">
               <a:rPr lang="en-US" dirty="0"/>
-              <a:t>12/2/2018</a:t>
+              <a:t>12/3/2018</a:t>
             </a:fld>
             <a:endParaRPr lang="en-US" dirty="0"/>
           </a:p>
@@ -7782,7 +7783,7 @@
           <a:p>
             <a:fld id="{48A87A34-81AB-432B-8DAE-1953F412C126}" type="datetimeFigureOut">
               <a:rPr lang="en-US" dirty="0"/>
-              <a:t>12/2/2018</a:t>
+              <a:t>12/3/2018</a:t>
             </a:fld>
             <a:endParaRPr lang="en-US" dirty="0"/>
           </a:p>
@@ -8158,7 +8159,7 @@
           <a:p>
             <a:fld id="{48A87A34-81AB-432B-8DAE-1953F412C126}" type="datetimeFigureOut">
               <a:rPr lang="en-US" dirty="0"/>
-              <a:t>12/2/2018</a:t>
+              <a:t>12/3/2018</a:t>
             </a:fld>
             <a:endParaRPr lang="en-US" dirty="0"/>
           </a:p>
@@ -8271,7 +8272,7 @@
           <a:p>
             <a:fld id="{48A87A34-81AB-432B-8DAE-1953F412C126}" type="datetimeFigureOut">
               <a:rPr lang="en-US" dirty="0"/>
-              <a:t>12/2/2018</a:t>
+              <a:t>12/3/2018</a:t>
             </a:fld>
             <a:endParaRPr lang="en-US" dirty="0"/>
           </a:p>
@@ -8361,7 +8362,7 @@
           <a:p>
             <a:fld id="{48A87A34-81AB-432B-8DAE-1953F412C126}" type="datetimeFigureOut">
               <a:rPr lang="en-US" dirty="0"/>
-              <a:t>12/2/2018</a:t>
+              <a:t>12/3/2018</a:t>
             </a:fld>
             <a:endParaRPr lang="en-US" dirty="0"/>
           </a:p>
@@ -8605,7 +8606,7 @@
           <a:p>
             <a:fld id="{48A87A34-81AB-432B-8DAE-1953F412C126}" type="datetimeFigureOut">
               <a:rPr lang="en-US" dirty="0"/>
-              <a:t>12/2/2018</a:t>
+              <a:t>12/3/2018</a:t>
             </a:fld>
             <a:endParaRPr lang="en-US" dirty="0"/>
           </a:p>
@@ -8880,7 +8881,7 @@
           <a:p>
             <a:fld id="{48A87A34-81AB-432B-8DAE-1953F412C126}" type="datetimeFigureOut">
               <a:rPr lang="en-US" dirty="0"/>
-              <a:t>12/2/2018</a:t>
+              <a:t>12/3/2018</a:t>
             </a:fld>
             <a:endParaRPr lang="en-US" dirty="0"/>
           </a:p>
@@ -8998,7 +8999,7 @@
           <a:noFill/>
           <a:extLst>
             <a:ext uri="{909E8E84-426E-40dd-AFC4-6F175D3DCCD1}">
-              <a14:hiddenFill xmlns="" xmlns:a14="http://schemas.microsoft.com/office/drawing/2010/main">
+              <a14:hiddenFill xmlns:a14="http://schemas.microsoft.com/office/drawing/2010/main" xmlns="">
                 <a:solidFill>
                   <a:srgbClr val="FFFFFF"/>
                 </a:solidFill>
@@ -9072,7 +9073,7 @@
               </a:ln>
               <a:extLst>
                 <a:ext uri="{91240B29-F687-4f45-9708-019B960494DF}">
-                  <a14:hiddenLine xmlns="" xmlns:a14="http://schemas.microsoft.com/office/drawing/2010/main" w="9525">
+                  <a14:hiddenLine xmlns:a14="http://schemas.microsoft.com/office/drawing/2010/main" xmlns="" w="9525">
                     <a:solidFill>
                       <a:srgbClr val="000000"/>
                     </a:solidFill>
@@ -9162,7 +9163,7 @@
               </a:ln>
               <a:extLst>
                 <a:ext uri="{91240B29-F687-4f45-9708-019B960494DF}">
-                  <a14:hiddenLine xmlns="" xmlns:a14="http://schemas.microsoft.com/office/drawing/2010/main" w="9525">
+                  <a14:hiddenLine xmlns:a14="http://schemas.microsoft.com/office/drawing/2010/main" xmlns="" w="9525">
                     <a:solidFill>
                       <a:srgbClr val="000000"/>
                     </a:solidFill>
@@ -9252,7 +9253,7 @@
               </a:ln>
               <a:extLst>
                 <a:ext uri="{91240B29-F687-4f45-9708-019B960494DF}">
-                  <a14:hiddenLine xmlns="" xmlns:a14="http://schemas.microsoft.com/office/drawing/2010/main" w="9525">
+                  <a14:hiddenLine xmlns:a14="http://schemas.microsoft.com/office/drawing/2010/main" xmlns="" w="9525">
                     <a:solidFill>
                       <a:srgbClr val="000000"/>
                     </a:solidFill>
@@ -9314,7 +9315,7 @@
               </a:ln>
               <a:extLst>
                 <a:ext uri="{91240B29-F687-4f45-9708-019B960494DF}">
-                  <a14:hiddenLine xmlns="" xmlns:a14="http://schemas.microsoft.com/office/drawing/2010/main" w="9525">
+                  <a14:hiddenLine xmlns:a14="http://schemas.microsoft.com/office/drawing/2010/main" xmlns="" w="9525">
                     <a:solidFill>
                       <a:srgbClr val="000000"/>
                     </a:solidFill>
@@ -9404,7 +9405,7 @@
               </a:ln>
               <a:extLst>
                 <a:ext uri="{91240B29-F687-4f45-9708-019B960494DF}">
-                  <a14:hiddenLine xmlns="" xmlns:a14="http://schemas.microsoft.com/office/drawing/2010/main" w="9525">
+                  <a14:hiddenLine xmlns:a14="http://schemas.microsoft.com/office/drawing/2010/main" xmlns="" w="9525">
                     <a:solidFill>
                       <a:srgbClr val="000000"/>
                     </a:solidFill>
@@ -9466,7 +9467,7 @@
               </a:ln>
               <a:extLst>
                 <a:ext uri="{91240B29-F687-4f45-9708-019B960494DF}">
-                  <a14:hiddenLine xmlns="" xmlns:a14="http://schemas.microsoft.com/office/drawing/2010/main" w="9525">
+                  <a14:hiddenLine xmlns:a14="http://schemas.microsoft.com/office/drawing/2010/main" xmlns="" w="9525">
                     <a:solidFill>
                       <a:srgbClr val="000000"/>
                     </a:solidFill>
@@ -9528,7 +9529,7 @@
               </a:ln>
               <a:extLst>
                 <a:ext uri="{91240B29-F687-4f45-9708-019B960494DF}">
-                  <a14:hiddenLine xmlns="" xmlns:a14="http://schemas.microsoft.com/office/drawing/2010/main" w="9525">
+                  <a14:hiddenLine xmlns:a14="http://schemas.microsoft.com/office/drawing/2010/main" xmlns="" w="9525">
                     <a:solidFill>
                       <a:srgbClr val="000000"/>
                     </a:solidFill>
@@ -9618,7 +9619,7 @@
               </a:ln>
               <a:extLst>
                 <a:ext uri="{91240B29-F687-4f45-9708-019B960494DF}">
-                  <a14:hiddenLine xmlns="" xmlns:a14="http://schemas.microsoft.com/office/drawing/2010/main" w="9525">
+                  <a14:hiddenLine xmlns:a14="http://schemas.microsoft.com/office/drawing/2010/main" xmlns="" w="9525">
                     <a:solidFill>
                       <a:srgbClr val="000000"/>
                     </a:solidFill>
@@ -9708,7 +9709,7 @@
               </a:ln>
               <a:extLst>
                 <a:ext uri="{91240B29-F687-4f45-9708-019B960494DF}">
-                  <a14:hiddenLine xmlns="" xmlns:a14="http://schemas.microsoft.com/office/drawing/2010/main" w="9525">
+                  <a14:hiddenLine xmlns:a14="http://schemas.microsoft.com/office/drawing/2010/main" xmlns="" w="9525">
                     <a:solidFill>
                       <a:srgbClr val="000000"/>
                     </a:solidFill>
@@ -9770,7 +9771,7 @@
               </a:ln>
               <a:extLst>
                 <a:ext uri="{91240B29-F687-4f45-9708-019B960494DF}">
-                  <a14:hiddenLine xmlns="" xmlns:a14="http://schemas.microsoft.com/office/drawing/2010/main" w="9525">
+                  <a14:hiddenLine xmlns:a14="http://schemas.microsoft.com/office/drawing/2010/main" xmlns="" w="9525">
                     <a:solidFill>
                       <a:srgbClr val="000000"/>
                     </a:solidFill>
@@ -9880,7 +9881,7 @@
               </a:ln>
               <a:extLst>
                 <a:ext uri="{91240B29-F687-4f45-9708-019B960494DF}">
-                  <a14:hiddenLine xmlns="" xmlns:a14="http://schemas.microsoft.com/office/drawing/2010/main" w="9525">
+                  <a14:hiddenLine xmlns:a14="http://schemas.microsoft.com/office/drawing/2010/main" xmlns="" w="9525">
                     <a:solidFill>
                       <a:srgbClr val="000000"/>
                     </a:solidFill>
@@ -9964,7 +9965,7 @@
               </a:ln>
               <a:extLst>
                 <a:ext uri="{91240B29-F687-4f45-9708-019B960494DF}">
-                  <a14:hiddenLine xmlns="" xmlns:a14="http://schemas.microsoft.com/office/drawing/2010/main" w="9525">
+                  <a14:hiddenLine xmlns:a14="http://schemas.microsoft.com/office/drawing/2010/main" xmlns="" w="9525">
                     <a:solidFill>
                       <a:srgbClr val="000000"/>
                     </a:solidFill>
@@ -10026,7 +10027,7 @@
               </a:ln>
               <a:extLst>
                 <a:ext uri="{91240B29-F687-4f45-9708-019B960494DF}">
-                  <a14:hiddenLine xmlns="" xmlns:a14="http://schemas.microsoft.com/office/drawing/2010/main" w="9525">
+                  <a14:hiddenLine xmlns:a14="http://schemas.microsoft.com/office/drawing/2010/main" xmlns="" w="9525">
                     <a:solidFill>
                       <a:srgbClr val="000000"/>
                     </a:solidFill>
@@ -10088,7 +10089,7 @@
               </a:ln>
               <a:extLst>
                 <a:ext uri="{91240B29-F687-4f45-9708-019B960494DF}">
-                  <a14:hiddenLine xmlns="" xmlns:a14="http://schemas.microsoft.com/office/drawing/2010/main" w="9525">
+                  <a14:hiddenLine xmlns:a14="http://schemas.microsoft.com/office/drawing/2010/main" xmlns="" w="9525">
                     <a:solidFill>
                       <a:srgbClr val="000000"/>
                     </a:solidFill>
@@ -10178,7 +10179,7 @@
               </a:ln>
               <a:extLst>
                 <a:ext uri="{91240B29-F687-4f45-9708-019B960494DF}">
-                  <a14:hiddenLine xmlns="" xmlns:a14="http://schemas.microsoft.com/office/drawing/2010/main" w="9525">
+                  <a14:hiddenLine xmlns:a14="http://schemas.microsoft.com/office/drawing/2010/main" xmlns="" w="9525">
                     <a:solidFill>
                       <a:srgbClr val="000000"/>
                     </a:solidFill>
@@ -10212,7 +10213,7 @@
               </a:ln>
               <a:extLst>
                 <a:ext uri="{91240B29-F687-4f45-9708-019B960494DF}">
-                  <a14:hiddenLine xmlns="" xmlns:a14="http://schemas.microsoft.com/office/drawing/2010/main" w="9525">
+                  <a14:hiddenLine xmlns:a14="http://schemas.microsoft.com/office/drawing/2010/main" xmlns="" w="9525">
                     <a:solidFill>
                       <a:srgbClr val="000000"/>
                     </a:solidFill>
@@ -10277,7 +10278,7 @@
               </a:ln>
               <a:extLst>
                 <a:ext uri="{91240B29-F687-4f45-9708-019B960494DF}">
-                  <a14:hiddenLine xmlns="" xmlns:a14="http://schemas.microsoft.com/office/drawing/2010/main" w="9525">
+                  <a14:hiddenLine xmlns:a14="http://schemas.microsoft.com/office/drawing/2010/main" xmlns="" w="9525">
                     <a:solidFill>
                       <a:srgbClr val="000000"/>
                     </a:solidFill>
@@ -10367,7 +10368,7 @@
               </a:ln>
               <a:extLst>
                 <a:ext uri="{91240B29-F687-4f45-9708-019B960494DF}">
-                  <a14:hiddenLine xmlns="" xmlns:a14="http://schemas.microsoft.com/office/drawing/2010/main" w="9525">
+                  <a14:hiddenLine xmlns:a14="http://schemas.microsoft.com/office/drawing/2010/main" xmlns="" w="9525">
                     <a:solidFill>
                       <a:srgbClr val="000000"/>
                     </a:solidFill>
@@ -10429,7 +10430,7 @@
               </a:ln>
               <a:extLst>
                 <a:ext uri="{91240B29-F687-4f45-9708-019B960494DF}">
-                  <a14:hiddenLine xmlns="" xmlns:a14="http://schemas.microsoft.com/office/drawing/2010/main" w="9525">
+                  <a14:hiddenLine xmlns:a14="http://schemas.microsoft.com/office/drawing/2010/main" xmlns="" w="9525">
                     <a:solidFill>
                       <a:srgbClr val="000000"/>
                     </a:solidFill>
@@ -10519,7 +10520,7 @@
               </a:ln>
               <a:extLst>
                 <a:ext uri="{91240B29-F687-4f45-9708-019B960494DF}">
-                  <a14:hiddenLine xmlns="" xmlns:a14="http://schemas.microsoft.com/office/drawing/2010/main" w="9525">
+                  <a14:hiddenLine xmlns:a14="http://schemas.microsoft.com/office/drawing/2010/main" xmlns="" w="9525">
                     <a:solidFill>
                       <a:srgbClr val="000000"/>
                     </a:solidFill>
@@ -10584,7 +10585,7 @@
               </a:ln>
               <a:extLst>
                 <a:ext uri="{91240B29-F687-4f45-9708-019B960494DF}">
-                  <a14:hiddenLine xmlns="" xmlns:a14="http://schemas.microsoft.com/office/drawing/2010/main" w="9525">
+                  <a14:hiddenLine xmlns:a14="http://schemas.microsoft.com/office/drawing/2010/main" xmlns="" w="9525">
                     <a:solidFill>
                       <a:srgbClr val="000000"/>
                     </a:solidFill>
@@ -10646,7 +10647,7 @@
               </a:ln>
               <a:extLst>
                 <a:ext uri="{91240B29-F687-4f45-9708-019B960494DF}">
-                  <a14:hiddenLine xmlns="" xmlns:a14="http://schemas.microsoft.com/office/drawing/2010/main" w="9525">
+                  <a14:hiddenLine xmlns:a14="http://schemas.microsoft.com/office/drawing/2010/main" xmlns="" w="9525">
                     <a:solidFill>
                       <a:srgbClr val="000000"/>
                     </a:solidFill>
@@ -10736,7 +10737,7 @@
               </a:ln>
               <a:extLst>
                 <a:ext uri="{91240B29-F687-4f45-9708-019B960494DF}">
-                  <a14:hiddenLine xmlns="" xmlns:a14="http://schemas.microsoft.com/office/drawing/2010/main" w="9525">
+                  <a14:hiddenLine xmlns:a14="http://schemas.microsoft.com/office/drawing/2010/main" xmlns="" w="9525">
                     <a:solidFill>
                       <a:srgbClr val="000000"/>
                     </a:solidFill>
@@ -10826,7 +10827,7 @@
               </a:ln>
               <a:extLst>
                 <a:ext uri="{91240B29-F687-4f45-9708-019B960494DF}">
-                  <a14:hiddenLine xmlns="" xmlns:a14="http://schemas.microsoft.com/office/drawing/2010/main" w="9525">
+                  <a14:hiddenLine xmlns:a14="http://schemas.microsoft.com/office/drawing/2010/main" xmlns="" w="9525">
                     <a:solidFill>
                       <a:srgbClr val="000000"/>
                     </a:solidFill>
@@ -10891,7 +10892,7 @@
               </a:ln>
               <a:extLst>
                 <a:ext uri="{91240B29-F687-4f45-9708-019B960494DF}">
-                  <a14:hiddenLine xmlns="" xmlns:a14="http://schemas.microsoft.com/office/drawing/2010/main" w="9525">
+                  <a14:hiddenLine xmlns:a14="http://schemas.microsoft.com/office/drawing/2010/main" xmlns="" w="9525">
                     <a:solidFill>
                       <a:srgbClr val="000000"/>
                     </a:solidFill>
@@ -11011,7 +11012,7 @@
               </a:ln>
               <a:extLst>
                 <a:ext uri="{91240B29-F687-4f45-9708-019B960494DF}">
-                  <a14:hiddenLine xmlns="" xmlns:a14="http://schemas.microsoft.com/office/drawing/2010/main" w="9525">
+                  <a14:hiddenLine xmlns:a14="http://schemas.microsoft.com/office/drawing/2010/main" xmlns="" w="9525">
                     <a:solidFill>
                       <a:srgbClr val="000000"/>
                     </a:solidFill>
@@ -11092,7 +11093,7 @@
               </a:ln>
               <a:extLst>
                 <a:ext uri="{91240B29-F687-4f45-9708-019B960494DF}">
-                  <a14:hiddenLine xmlns="" xmlns:a14="http://schemas.microsoft.com/office/drawing/2010/main" w="9525">
+                  <a14:hiddenLine xmlns:a14="http://schemas.microsoft.com/office/drawing/2010/main" xmlns="" w="9525">
                     <a:solidFill>
                       <a:srgbClr val="000000"/>
                     </a:solidFill>
@@ -11207,7 +11208,7 @@
               </a:ln>
               <a:extLst>
                 <a:ext uri="{91240B29-F687-4f45-9708-019B960494DF}">
-                  <a14:hiddenLine xmlns="" xmlns:a14="http://schemas.microsoft.com/office/drawing/2010/main" w="9525">
+                  <a14:hiddenLine xmlns:a14="http://schemas.microsoft.com/office/drawing/2010/main" xmlns="" w="9525">
                     <a:solidFill>
                       <a:srgbClr val="000000"/>
                     </a:solidFill>
@@ -11297,7 +11298,7 @@
               </a:ln>
               <a:extLst>
                 <a:ext uri="{91240B29-F687-4f45-9708-019B960494DF}">
-                  <a14:hiddenLine xmlns="" xmlns:a14="http://schemas.microsoft.com/office/drawing/2010/main" w="9525">
+                  <a14:hiddenLine xmlns:a14="http://schemas.microsoft.com/office/drawing/2010/main" xmlns="" w="9525">
                     <a:solidFill>
                       <a:srgbClr val="000000"/>
                     </a:solidFill>
@@ -11362,7 +11363,7 @@
               </a:ln>
               <a:extLst>
                 <a:ext uri="{91240B29-F687-4f45-9708-019B960494DF}">
-                  <a14:hiddenLine xmlns="" xmlns:a14="http://schemas.microsoft.com/office/drawing/2010/main" w="9525">
+                  <a14:hiddenLine xmlns:a14="http://schemas.microsoft.com/office/drawing/2010/main" xmlns="" w="9525">
                     <a:solidFill>
                       <a:srgbClr val="000000"/>
                     </a:solidFill>
@@ -11452,7 +11453,7 @@
               </a:ln>
               <a:extLst>
                 <a:ext uri="{91240B29-F687-4f45-9708-019B960494DF}">
-                  <a14:hiddenLine xmlns="" xmlns:a14="http://schemas.microsoft.com/office/drawing/2010/main" w="9525">
+                  <a14:hiddenLine xmlns:a14="http://schemas.microsoft.com/office/drawing/2010/main" xmlns="" w="9525">
                     <a:solidFill>
                       <a:srgbClr val="000000"/>
                     </a:solidFill>
@@ -11520,7 +11521,7 @@
               </a:ln>
               <a:extLst>
                 <a:ext uri="{91240B29-F687-4f45-9708-019B960494DF}">
-                  <a14:hiddenLine xmlns="" xmlns:a14="http://schemas.microsoft.com/office/drawing/2010/main" w="9525">
+                  <a14:hiddenLine xmlns:a14="http://schemas.microsoft.com/office/drawing/2010/main" xmlns="" w="9525">
                     <a:solidFill>
                       <a:srgbClr val="000000"/>
                     </a:solidFill>
@@ -11610,7 +11611,7 @@
               </a:ln>
               <a:extLst>
                 <a:ext uri="{91240B29-F687-4f45-9708-019B960494DF}">
-                  <a14:hiddenLine xmlns="" xmlns:a14="http://schemas.microsoft.com/office/drawing/2010/main" w="9525">
+                  <a14:hiddenLine xmlns:a14="http://schemas.microsoft.com/office/drawing/2010/main" xmlns="" w="9525">
                     <a:solidFill>
                       <a:srgbClr val="000000"/>
                     </a:solidFill>
@@ -11678,7 +11679,7 @@
               </a:ln>
               <a:extLst>
                 <a:ext uri="{91240B29-F687-4f45-9708-019B960494DF}">
-                  <a14:hiddenLine xmlns="" xmlns:a14="http://schemas.microsoft.com/office/drawing/2010/main" w="9525">
+                  <a14:hiddenLine xmlns:a14="http://schemas.microsoft.com/office/drawing/2010/main" xmlns="" w="9525">
                     <a:solidFill>
                       <a:srgbClr val="000000"/>
                     </a:solidFill>
@@ -11768,7 +11769,7 @@
               </a:ln>
               <a:extLst>
                 <a:ext uri="{91240B29-F687-4f45-9708-019B960494DF}">
-                  <a14:hiddenLine xmlns="" xmlns:a14="http://schemas.microsoft.com/office/drawing/2010/main" w="9525">
+                  <a14:hiddenLine xmlns:a14="http://schemas.microsoft.com/office/drawing/2010/main" xmlns="" w="9525">
                     <a:solidFill>
                       <a:srgbClr val="000000"/>
                     </a:solidFill>
@@ -11802,7 +11803,7 @@
               </a:ln>
               <a:extLst>
                 <a:ext uri="{91240B29-F687-4f45-9708-019B960494DF}">
-                  <a14:hiddenLine xmlns="" xmlns:a14="http://schemas.microsoft.com/office/drawing/2010/main" w="9525">
+                  <a14:hiddenLine xmlns:a14="http://schemas.microsoft.com/office/drawing/2010/main" xmlns="" w="9525">
                     <a:solidFill>
                       <a:srgbClr val="000000"/>
                     </a:solidFill>
@@ -11943,7 +11944,7 @@
             <a:fld id="{48A87A34-81AB-432B-8DAE-1953F412C126}" type="datetimeFigureOut">
               <a:rPr lang="en-US" dirty="0"/>
               <a:pPr/>
-              <a:t>12/2/2018</a:t>
+              <a:t>12/3/2018</a:t>
             </a:fld>
             <a:endParaRPr lang="en-US" dirty="0"/>
           </a:p>
@@ -12400,11 +12401,7 @@
             <a:pPr algn="r"/>
             <a:r>
               <a:rPr lang="ru-RU" dirty="0" smtClean="0"/>
-              <a:t>Пьянов А</a:t>
-            </a:r>
-            <a:r>
-              <a:rPr lang="ru-RU" dirty="0" smtClean="0"/>
-              <a:t>.</a:t>
+              <a:t>Пьянов А.</a:t>
             </a:r>
             <a:r>
               <a:rPr lang="en-US" dirty="0" smtClean="0"/>
@@ -12412,22 +12409,14 @@
             </a:r>
             <a:r>
               <a:rPr lang="ru-RU" dirty="0" smtClean="0"/>
-              <a:t>М</a:t>
-            </a:r>
+              <a:t>М.</a:t>
+            </a:r>
+          </a:p>
+          <a:p>
+            <a:pPr algn="r"/>
             <a:r>
               <a:rPr lang="ru-RU" dirty="0" smtClean="0"/>
-              <a:t>.</a:t>
-            </a:r>
-          </a:p>
-          <a:p>
-            <a:pPr algn="r"/>
-            <a:r>
-              <a:rPr lang="ru-RU" dirty="0" smtClean="0"/>
-              <a:t>Никонова м</a:t>
-            </a:r>
-            <a:r>
-              <a:rPr lang="ru-RU" dirty="0" smtClean="0"/>
-              <a:t>.</a:t>
+              <a:t>Никонова м.</a:t>
             </a:r>
             <a:r>
               <a:rPr lang="en-US" dirty="0" smtClean="0"/>
@@ -12435,22 +12424,14 @@
             </a:r>
             <a:r>
               <a:rPr lang="ru-RU" dirty="0" smtClean="0"/>
-              <a:t>А</a:t>
-            </a:r>
+              <a:t>А.</a:t>
+            </a:r>
+          </a:p>
+          <a:p>
+            <a:pPr algn="r"/>
             <a:r>
               <a:rPr lang="ru-RU" dirty="0" smtClean="0"/>
-              <a:t>.</a:t>
-            </a:r>
-          </a:p>
-          <a:p>
-            <a:pPr algn="r"/>
-            <a:r>
-              <a:rPr lang="ru-RU" dirty="0" smtClean="0"/>
-              <a:t>Кислова а</a:t>
-            </a:r>
-            <a:r>
-              <a:rPr lang="ru-RU" dirty="0" smtClean="0"/>
-              <a:t>.</a:t>
+              <a:t>Кислова а.</a:t>
             </a:r>
             <a:r>
               <a:rPr lang="en-US" dirty="0" smtClean="0"/>
@@ -12458,11 +12439,7 @@
             </a:r>
             <a:r>
               <a:rPr lang="ru-RU" dirty="0" smtClean="0"/>
-              <a:t>в</a:t>
-            </a:r>
-            <a:r>
-              <a:rPr lang="ru-RU" dirty="0" smtClean="0"/>
-              <a:t>.</a:t>
+              <a:t>в.</a:t>
             </a:r>
             <a:endParaRPr lang="ru-RU" dirty="0"/>
           </a:p>
@@ -12500,102 +12477,6 @@
       </p:grpSpPr>
       <p:sp>
         <p:nvSpPr>
-          <p:cNvPr id="7" name="Прямоугольник 6"/>
-          <p:cNvSpPr/>
-          <p:nvPr/>
-        </p:nvSpPr>
-        <p:spPr>
-          <a:xfrm>
-            <a:off x="6537278" y="3016155"/>
-            <a:ext cx="4339988" cy="3125162"/>
-          </a:xfrm>
-          <a:prstGeom prst="rect">
-            <a:avLst/>
-          </a:prstGeom>
-          <a:solidFill>
-            <a:schemeClr val="tx1"/>
-          </a:solidFill>
-          <a:ln>
-            <a:solidFill>
-              <a:schemeClr val="tx1"/>
-            </a:solidFill>
-          </a:ln>
-        </p:spPr>
-        <p:style>
-          <a:lnRef idx="2">
-            <a:schemeClr val="accent1">
-              <a:shade val="50000"/>
-            </a:schemeClr>
-          </a:lnRef>
-          <a:fillRef idx="1">
-            <a:schemeClr val="accent1"/>
-          </a:fillRef>
-          <a:effectRef idx="0">
-            <a:schemeClr val="accent1"/>
-          </a:effectRef>
-          <a:fontRef idx="minor">
-            <a:schemeClr val="lt1"/>
-          </a:fontRef>
-        </p:style>
-        <p:txBody>
-          <a:bodyPr rtlCol="0" anchor="ctr"/>
-          <a:lstStyle/>
-          <a:p>
-            <a:pPr algn="ctr"/>
-            <a:endParaRPr lang="ru-RU"/>
-          </a:p>
-        </p:txBody>
-      </p:sp>
-      <p:sp>
-        <p:nvSpPr>
-          <p:cNvPr id="5" name="Прямоугольник 4"/>
-          <p:cNvSpPr/>
-          <p:nvPr/>
-        </p:nvSpPr>
-        <p:spPr>
-          <a:xfrm>
-            <a:off x="1364776" y="3016155"/>
-            <a:ext cx="4517410" cy="3138985"/>
-          </a:xfrm>
-          <a:prstGeom prst="rect">
-            <a:avLst/>
-          </a:prstGeom>
-          <a:solidFill>
-            <a:schemeClr val="tx1"/>
-          </a:solidFill>
-          <a:ln>
-            <a:solidFill>
-              <a:schemeClr val="tx1"/>
-            </a:solidFill>
-          </a:ln>
-        </p:spPr>
-        <p:style>
-          <a:lnRef idx="2">
-            <a:schemeClr val="accent1">
-              <a:shade val="50000"/>
-            </a:schemeClr>
-          </a:lnRef>
-          <a:fillRef idx="1">
-            <a:schemeClr val="accent1"/>
-          </a:fillRef>
-          <a:effectRef idx="0">
-            <a:schemeClr val="accent1"/>
-          </a:effectRef>
-          <a:fontRef idx="minor">
-            <a:schemeClr val="lt1"/>
-          </a:fontRef>
-        </p:style>
-        <p:txBody>
-          <a:bodyPr rtlCol="0" anchor="ctr"/>
-          <a:lstStyle/>
-          <a:p>
-            <a:pPr algn="ctr"/>
-            <a:endParaRPr lang="ru-RU"/>
-          </a:p>
-        </p:txBody>
-      </p:sp>
-      <p:sp>
-        <p:nvSpPr>
           <p:cNvPr id="2" name="Заголовок 1"/>
           <p:cNvSpPr>
             <a:spLocks noGrp="1"/>
@@ -12644,72 +12525,6 @@
           </a:p>
         </p:txBody>
       </p:sp>
-      <p:pic>
-        <p:nvPicPr>
-          <p:cNvPr id="4" name="Рисунок 3"/>
-          <p:cNvPicPr/>
-          <p:nvPr/>
-        </p:nvPicPr>
-        <p:blipFill>
-          <a:blip r:embed="rId2">
-            <a:extLst>
-              <a:ext uri="{28A0092B-C50C-407E-A947-70E740481C1C}">
-                <a14:useLocalDpi xmlns:a14="http://schemas.microsoft.com/office/drawing/2010/main" val="0"/>
-              </a:ext>
-            </a:extLst>
-          </a:blip>
-          <a:srcRect/>
-          <a:stretch>
-            <a:fillRect/>
-          </a:stretch>
-        </p:blipFill>
-        <p:spPr bwMode="auto">
-          <a:xfrm>
-            <a:off x="1378874" y="3036802"/>
-            <a:ext cx="6154690" cy="3104515"/>
-          </a:xfrm>
-          <a:prstGeom prst="rect">
-            <a:avLst/>
-          </a:prstGeom>
-          <a:noFill/>
-          <a:ln>
-            <a:noFill/>
-          </a:ln>
-        </p:spPr>
-      </p:pic>
-      <p:pic>
-        <p:nvPicPr>
-          <p:cNvPr id="6" name="Рисунок 5"/>
-          <p:cNvPicPr/>
-          <p:nvPr/>
-        </p:nvPicPr>
-        <p:blipFill>
-          <a:blip r:embed="rId3">
-            <a:extLst>
-              <a:ext uri="{28A0092B-C50C-407E-A947-70E740481C1C}">
-                <a14:useLocalDpi xmlns:a14="http://schemas.microsoft.com/office/drawing/2010/main" val="0"/>
-              </a:ext>
-            </a:extLst>
-          </a:blip>
-          <a:srcRect/>
-          <a:stretch>
-            <a:fillRect/>
-          </a:stretch>
-        </p:blipFill>
-        <p:spPr bwMode="auto">
-          <a:xfrm>
-            <a:off x="6550010" y="3022979"/>
-            <a:ext cx="5940425" cy="3104515"/>
-          </a:xfrm>
-          <a:prstGeom prst="rect">
-            <a:avLst/>
-          </a:prstGeom>
-          <a:noFill/>
-          <a:ln>
-            <a:noFill/>
-          </a:ln>
-        </p:spPr>
-      </p:pic>
     </p:spTree>
     <p:extLst>
       <p:ext uri="{BB962C8B-B14F-4D97-AF65-F5344CB8AC3E}">
@@ -12988,7 +12803,7 @@
           <a:graphicData uri="http://schemas.openxmlformats.org/presentationml/2006/ole">
             <mc:AlternateContent xmlns:mc="http://schemas.openxmlformats.org/markup-compatibility/2006">
               <mc:Choice xmlns:v="urn:schemas-microsoft-com:vml" Requires="v">
-                <p:oleObj spid="_x0000_s3078" r:id="rId3" imgW="15234551" imgH="7132418" progId="Visio.Drawing.15">
+                <p:oleObj spid="_x0000_s3079" r:id="rId3" imgW="15234551" imgH="7132418" progId="Visio.Drawing.15">
                   <p:embed/>
                 </p:oleObj>
               </mc:Choice>
@@ -13224,7 +13039,7 @@
           <a:graphicData uri="http://schemas.openxmlformats.org/presentationml/2006/ole">
             <mc:AlternateContent xmlns:mc="http://schemas.openxmlformats.org/markup-compatibility/2006">
               <mc:Choice xmlns:v="urn:schemas-microsoft-com:vml" Requires="v">
-                <p:oleObj spid="_x0000_s4102" r:id="rId3" imgW="5858015" imgH="6229312" progId="Visio.Drawing.15">
+                <p:oleObj spid="_x0000_s4103" r:id="rId3" imgW="5858015" imgH="6229312" progId="Visio.Drawing.15">
                   <p:embed/>
                 </p:oleObj>
               </mc:Choice>
@@ -13354,7 +13169,6 @@
               <a:rPr lang="ru-RU" dirty="0" smtClean="0"/>
               <a:t>Пользователь</a:t>
             </a:r>
-            <a:endParaRPr lang="ru-RU" dirty="0" smtClean="0"/>
           </a:p>
           <a:p>
             <a:r>
@@ -13423,6 +13237,78 @@
           <a:lstStyle/>
           <a:p>
             <a:r>
+              <a:rPr lang="ru-RU" smtClean="0"/>
+              <a:t>Схема навигации</a:t>
+            </a:r>
+            <a:endParaRPr lang="ru-RU"/>
+          </a:p>
+        </p:txBody>
+      </p:sp>
+      <p:sp>
+        <p:nvSpPr>
+          <p:cNvPr id="3" name="Объект 2"/>
+          <p:cNvSpPr>
+            <a:spLocks noGrp="1"/>
+          </p:cNvSpPr>
+          <p:nvPr>
+            <p:ph idx="1"/>
+          </p:nvPr>
+        </p:nvSpPr>
+        <p:spPr/>
+        <p:txBody>
+          <a:bodyPr/>
+          <a:lstStyle/>
+          <a:p>
+            <a:endParaRPr lang="ru-RU"/>
+          </a:p>
+        </p:txBody>
+      </p:sp>
+    </p:spTree>
+    <p:extLst>
+      <p:ext uri="{BB962C8B-B14F-4D97-AF65-F5344CB8AC3E}">
+        <p14:creationId xmlns:p14="http://schemas.microsoft.com/office/powerpoint/2010/main" val="3363593729"/>
+      </p:ext>
+    </p:extLst>
+  </p:cSld>
+  <p:clrMapOvr>
+    <a:masterClrMapping/>
+  </p:clrMapOvr>
+</p:sld>
+</file>
+
+<file path=ppt/slides/slide16.xml><?xml version="1.0" encoding="utf-8"?>
+<p:sld xmlns:a="http://schemas.openxmlformats.org/drawingml/2006/main" xmlns:r="http://schemas.openxmlformats.org/officeDocument/2006/relationships" xmlns:p="http://schemas.openxmlformats.org/presentationml/2006/main">
+  <p:cSld>
+    <p:spTree>
+      <p:nvGrpSpPr>
+        <p:cNvPr id="1" name=""/>
+        <p:cNvGrpSpPr/>
+        <p:nvPr/>
+      </p:nvGrpSpPr>
+      <p:grpSpPr>
+        <a:xfrm>
+          <a:off x="0" y="0"/>
+          <a:ext cx="0" cy="0"/>
+          <a:chOff x="0" y="0"/>
+          <a:chExt cx="0" cy="0"/>
+        </a:xfrm>
+      </p:grpSpPr>
+      <p:sp>
+        <p:nvSpPr>
+          <p:cNvPr id="2" name="Заголовок 1"/>
+          <p:cNvSpPr>
+            <a:spLocks noGrp="1"/>
+          </p:cNvSpPr>
+          <p:nvPr>
+            <p:ph type="title"/>
+          </p:nvPr>
+        </p:nvSpPr>
+        <p:spPr/>
+        <p:txBody>
+          <a:bodyPr/>
+          <a:lstStyle/>
+          <a:p>
+            <a:r>
               <a:rPr lang="ru-RU" dirty="0" smtClean="0"/>
               <a:t>макет</a:t>
             </a:r>
@@ -13469,7 +13355,7 @@
 </p:sld>
 </file>
 
-<file path=ppt/slides/slide16.xml><?xml version="1.0" encoding="utf-8"?>
+<file path=ppt/slides/slide17.xml><?xml version="1.0" encoding="utf-8"?>
 <p:sld xmlns:a="http://schemas.openxmlformats.org/drawingml/2006/main" xmlns:r="http://schemas.openxmlformats.org/officeDocument/2006/relationships" xmlns:p="http://schemas.openxmlformats.org/presentationml/2006/main">
   <p:cSld>
     <p:spTree>
@@ -13653,8 +13539,8 @@
               <a:t>Цель программной </a:t>
             </a:r>
             <a:r>
-              <a:rPr lang="ru-RU" dirty="0" err="1" smtClean="0"/>
-              <a:t>стистемы</a:t>
+              <a:rPr lang="ru-RU" dirty="0" smtClean="0"/>
+              <a:t>системы</a:t>
             </a:r>
             <a:endParaRPr lang="ru-RU" dirty="0"/>
           </a:p>
@@ -14020,7 +13906,9 @@
         </p:nvSpPr>
         <p:spPr/>
         <p:txBody>
-          <a:bodyPr/>
+          <a:bodyPr>
+            <a:normAutofit lnSpcReduction="10000"/>
+          </a:bodyPr>
           <a:lstStyle/>
           <a:p>
             <a:r>
@@ -14172,6 +14060,15 @@
               <a:rPr lang="ru-RU" dirty="0" smtClean="0"/>
               <a:t>Анализ</a:t>
             </a:r>
+            <a:r>
+              <a:rPr lang="en-US" dirty="0" smtClean="0"/>
+              <a:t> </a:t>
+            </a:r>
+            <a:r>
+              <a:rPr lang="ru-RU" dirty="0" smtClean="0"/>
+              <a:t>ДТП</a:t>
+            </a:r>
+            <a:endParaRPr lang="ru-RU" dirty="0" smtClean="0"/>
           </a:p>
           <a:p>
             <a:r>
@@ -14252,7 +14149,7 @@
         </p:nvGraphicFramePr>
         <p:xfrm>
           <a:off x="1141413" y="2249488"/>
-          <a:ext cx="9906000" cy="2748280"/>
+          <a:ext cx="9906000" cy="3022600"/>
         </p:xfrm>
         <a:graphic>
           <a:graphicData uri="http://schemas.openxmlformats.org/drawingml/2006/table">
@@ -14469,7 +14366,6 @@
               <a:rPr lang="ru-RU" dirty="0" smtClean="0"/>
               <a:t>,</a:t>
             </a:r>
-            <a:endParaRPr lang="ru-RU" dirty="0" smtClean="0"/>
           </a:p>
           <a:p>
             <a:r>
@@ -14484,8 +14380,17 @@
           <a:p>
             <a:r>
               <a:rPr lang="en-US" dirty="0" smtClean="0"/>
-              <a:t>Spring,</a:t>
-            </a:r>
+              <a:t>Spring</a:t>
+            </a:r>
+            <a:r>
+              <a:rPr lang="ru-RU" dirty="0" smtClean="0"/>
+              <a:t> </a:t>
+            </a:r>
+            <a:r>
+              <a:rPr lang="en-US" dirty="0" smtClean="0"/>
+              <a:t>MVC,</a:t>
+            </a:r>
+            <a:endParaRPr lang="en-US" dirty="0" smtClean="0"/>
           </a:p>
           <a:p>
             <a:r>
@@ -14586,7 +14491,7 @@
         </p:spPr>
         <p:txBody>
           <a:bodyPr>
-            <a:normAutofit fontScale="92500" lnSpcReduction="10000"/>
+            <a:normAutofit fontScale="85000" lnSpcReduction="10000"/>
           </a:bodyPr>
           <a:lstStyle/>
           <a:p>
@@ -14614,7 +14519,6 @@
               <a:rPr lang="ru-RU" dirty="0" smtClean="0"/>
               <a:t>Недостатки:</a:t>
             </a:r>
-            <a:endParaRPr lang="ru-RU" dirty="0" smtClean="0"/>
           </a:p>
           <a:p>
             <a:pPr marL="0" indent="0">
@@ -14628,7 +14532,6 @@
               <a:rPr lang="ru-RU" dirty="0"/>
               <a:t>сведения о ДТП, отсутствие детального анализа происшествия, ошибки в данных.</a:t>
             </a:r>
-            <a:endParaRPr lang="ru-RU" dirty="0"/>
           </a:p>
         </p:txBody>
       </p:sp>
@@ -14842,7 +14745,7 @@
           <a:graphicData uri="http://schemas.openxmlformats.org/presentationml/2006/ole">
             <mc:AlternateContent xmlns:mc="http://schemas.openxmlformats.org/markup-compatibility/2006">
               <mc:Choice xmlns:v="urn:schemas-microsoft-com:vml" Requires="v">
-                <p:oleObj spid="_x0000_s1032" r:id="rId3" imgW="23717228" imgH="18745047" progId="Visio.Drawing.15">
+                <p:oleObj spid="_x0000_s1033" r:id="rId3" imgW="23717228" imgH="18745047" progId="Visio.Drawing.15">
                   <p:embed/>
                 </p:oleObj>
               </mc:Choice>
